--- a/Présentation/Mon travail.pptx
+++ b/Présentation/Mon travail.pptx
@@ -2,10 +2,12 @@
 <file path=ppt/presentation.xml><?xml version="1.0" encoding="utf-8"?>
 <p:presentation xmlns:a="http://schemas.openxmlformats.org/drawingml/2006/main" xmlns:r="http://schemas.openxmlformats.org/officeDocument/2006/relationships" xmlns:p="http://schemas.openxmlformats.org/presentationml/2006/main" autoCompressPictures="0">
   <p:sldMasterIdLst>
-    <p:sldMasterId id="2147483840" r:id="rId1"/>
+    <p:sldMasterId id="2147483852" r:id="rId1"/>
   </p:sldMasterIdLst>
   <p:sldIdLst>
     <p:sldId id="256" r:id="rId2"/>
+    <p:sldId id="257" r:id="rId3"/>
+    <p:sldId id="258" r:id="rId4"/>
   </p:sldIdLst>
   <p:sldSz cx="12192000" cy="6858000"/>
   <p:notesSz cx="6858000" cy="9144000"/>
@@ -110,16 +112,6 @@
 <file path=ppt/slideLayouts/slideLayout1.xml><?xml version="1.0" encoding="utf-8"?>
 <p:sldLayout xmlns:a="http://schemas.openxmlformats.org/drawingml/2006/main" xmlns:r="http://schemas.openxmlformats.org/officeDocument/2006/relationships" xmlns:p="http://schemas.openxmlformats.org/presentationml/2006/main" showMasterSp="0" type="title" preserve="1">
   <p:cSld name="Diapositive de titre">
-    <p:bg>
-      <p:bgPr>
-        <a:solidFill>
-          <a:schemeClr val="bg2">
-            <a:lumMod val="75000"/>
-          </a:schemeClr>
-        </a:solidFill>
-        <a:effectLst/>
-      </p:bgPr>
-    </p:bg>
     <p:spTree>
       <p:nvGrpSpPr>
         <p:cNvPr id="1" name=""/>
@@ -136,230 +128,20 @@
       </p:grpSpPr>
       <p:sp>
         <p:nvSpPr>
-          <p:cNvPr id="2" name="Title 1"/>
-          <p:cNvSpPr>
-            <a:spLocks noGrp="1"/>
-          </p:cNvSpPr>
-          <p:nvPr>
-            <p:ph type="ctrTitle"/>
-          </p:nvPr>
+          <p:cNvPr id="8" name="Rectangle 7"/>
+          <p:cNvSpPr/>
+          <p:nvPr/>
         </p:nvSpPr>
         <p:spPr>
           <a:xfrm>
-            <a:off x="1261872" y="758952"/>
-            <a:ext cx="9418320" cy="4041648"/>
-          </a:xfrm>
-        </p:spPr>
-        <p:txBody>
-          <a:bodyPr anchor="b">
-            <a:normAutofit/>
-          </a:bodyPr>
-          <a:lstStyle>
-            <a:lvl1pPr algn="l">
-              <a:lnSpc>
-                <a:spcPct val="85000"/>
-              </a:lnSpc>
-              <a:defRPr sz="7200" baseline="0">
-                <a:solidFill>
-                  <a:schemeClr val="tx1"/>
-                </a:solidFill>
-              </a:defRPr>
-            </a:lvl1pPr>
-          </a:lstStyle>
-          <a:p>
-            <a:r>
-              <a:rPr lang="fr-FR" smtClean="0"/>
-              <a:t>Modifiez le style du titre</a:t>
-            </a:r>
-            <a:endParaRPr lang="en-US" dirty="0"/>
-          </a:p>
-        </p:txBody>
-      </p:sp>
-      <p:sp>
-        <p:nvSpPr>
-          <p:cNvPr id="3" name="Subtitle 2"/>
-          <p:cNvSpPr>
-            <a:spLocks noGrp="1"/>
-          </p:cNvSpPr>
-          <p:nvPr>
-            <p:ph type="subTitle" idx="1"/>
-          </p:nvPr>
-        </p:nvSpPr>
-        <p:spPr>
-          <a:xfrm>
-            <a:off x="1261872" y="4800600"/>
-            <a:ext cx="9418320" cy="1691640"/>
-          </a:xfrm>
-        </p:spPr>
-        <p:txBody>
-          <a:bodyPr>
-            <a:normAutofit/>
-          </a:bodyPr>
-          <a:lstStyle>
-            <a:lvl1pPr marL="0" indent="0" algn="l">
-              <a:buNone/>
-              <a:defRPr sz="2200" baseline="0">
-                <a:solidFill>
-                  <a:schemeClr val="tx1">
-                    <a:lumMod val="75000"/>
-                  </a:schemeClr>
-                </a:solidFill>
-              </a:defRPr>
-            </a:lvl1pPr>
-            <a:lvl2pPr marL="457200" indent="0" algn="ctr">
-              <a:buNone/>
-              <a:defRPr sz="2200"/>
-            </a:lvl2pPr>
-            <a:lvl3pPr marL="914400" indent="0" algn="ctr">
-              <a:buNone/>
-              <a:defRPr sz="2200"/>
-            </a:lvl3pPr>
-            <a:lvl4pPr marL="1371600" indent="0" algn="ctr">
-              <a:buNone/>
-              <a:defRPr sz="2000"/>
-            </a:lvl4pPr>
-            <a:lvl5pPr marL="1828800" indent="0" algn="ctr">
-              <a:buNone/>
-              <a:defRPr sz="2000"/>
-            </a:lvl5pPr>
-            <a:lvl6pPr marL="2286000" indent="0" algn="ctr">
-              <a:buNone/>
-              <a:defRPr sz="2000"/>
-            </a:lvl6pPr>
-            <a:lvl7pPr marL="2743200" indent="0" algn="ctr">
-              <a:buNone/>
-              <a:defRPr sz="2000"/>
-            </a:lvl7pPr>
-            <a:lvl8pPr marL="3200400" indent="0" algn="ctr">
-              <a:buNone/>
-              <a:defRPr sz="2000"/>
-            </a:lvl8pPr>
-            <a:lvl9pPr marL="3657600" indent="0" algn="ctr">
-              <a:buNone/>
-              <a:defRPr sz="2000"/>
-            </a:lvl9pPr>
-          </a:lstStyle>
-          <a:p>
-            <a:r>
-              <a:rPr lang="fr-FR" smtClean="0"/>
-              <a:t>Modifier le style des sous-titres du masque</a:t>
-            </a:r>
-            <a:endParaRPr lang="en-US" dirty="0"/>
-          </a:p>
-        </p:txBody>
-      </p:sp>
-      <p:sp>
-        <p:nvSpPr>
-          <p:cNvPr id="4" name="Date Placeholder 3"/>
-          <p:cNvSpPr>
-            <a:spLocks noGrp="1"/>
-          </p:cNvSpPr>
-          <p:nvPr>
-            <p:ph type="dt" sz="half" idx="10"/>
-          </p:nvPr>
-        </p:nvSpPr>
-        <p:spPr/>
-        <p:txBody>
-          <a:bodyPr/>
-          <a:lstStyle>
-            <a:lvl1pPr>
-              <a:defRPr>
-                <a:solidFill>
-                  <a:schemeClr val="tx1">
-                    <a:lumMod val="50000"/>
-                  </a:schemeClr>
-                </a:solidFill>
-              </a:defRPr>
-            </a:lvl1pPr>
-          </a:lstStyle>
-          <a:p>
-            <a:fld id="{9E016143-E03C-4CFD-AFDC-14E5BDEA754C}" type="datetimeFigureOut">
-              <a:rPr lang="en-US" dirty="0"/>
-              <a:t>12/14/2016</a:t>
-            </a:fld>
-            <a:endParaRPr lang="en-US" dirty="0"/>
-          </a:p>
-        </p:txBody>
-      </p:sp>
-      <p:sp>
-        <p:nvSpPr>
-          <p:cNvPr id="5" name="Footer Placeholder 4"/>
-          <p:cNvSpPr>
-            <a:spLocks noGrp="1"/>
-          </p:cNvSpPr>
-          <p:nvPr>
-            <p:ph type="ftr" sz="quarter" idx="11"/>
-          </p:nvPr>
-        </p:nvSpPr>
-        <p:spPr/>
-        <p:txBody>
-          <a:bodyPr/>
-          <a:lstStyle>
-            <a:lvl1pPr>
-              <a:defRPr>
-                <a:solidFill>
-                  <a:schemeClr val="tx1">
-                    <a:lumMod val="65000"/>
-                  </a:schemeClr>
-                </a:solidFill>
-              </a:defRPr>
-            </a:lvl1pPr>
-          </a:lstStyle>
-          <a:p>
-            <a:endParaRPr lang="en-US" dirty="0"/>
-          </a:p>
-        </p:txBody>
-      </p:sp>
-      <p:sp>
-        <p:nvSpPr>
-          <p:cNvPr id="6" name="Slide Number Placeholder 5"/>
-          <p:cNvSpPr>
-            <a:spLocks noGrp="1"/>
-          </p:cNvSpPr>
-          <p:nvPr>
-            <p:ph type="sldNum" sz="quarter" idx="12"/>
-          </p:nvPr>
-        </p:nvSpPr>
-        <p:spPr/>
-        <p:txBody>
-          <a:bodyPr/>
-          <a:lstStyle>
-            <a:lvl1pPr>
-              <a:defRPr>
-                <a:solidFill>
-                  <a:schemeClr val="tx1">
-                    <a:lumMod val="65000"/>
-                  </a:schemeClr>
-                </a:solidFill>
-              </a:defRPr>
-            </a:lvl1pPr>
-          </a:lstStyle>
-          <a:p>
-            <a:fld id="{4FAB73BC-B049-4115-A692-8D63A059BFB8}" type="slidenum">
-              <a:rPr lang="en-US" dirty="0"/>
-              <a:pPr/>
-              <a:t>‹N°›</a:t>
-            </a:fld>
-            <a:endParaRPr lang="en-US" dirty="0"/>
-          </a:p>
-        </p:txBody>
-      </p:sp>
-      <p:sp>
-        <p:nvSpPr>
-          <p:cNvPr id="7" name="Rectangle 6"/>
-          <p:cNvSpPr/>
-          <p:nvPr/>
-        </p:nvSpPr>
-        <p:spPr>
-          <a:xfrm>
-            <a:off x="0" y="0"/>
-            <a:ext cx="457200" cy="6858000"/>
+            <a:off x="11292840" y="0"/>
+            <a:ext cx="914400" cy="6858000"/>
           </a:xfrm>
           <a:prstGeom prst="rect">
             <a:avLst/>
           </a:prstGeom>
           <a:solidFill>
-            <a:schemeClr val="accent1"/>
+            <a:srgbClr val="303030"/>
           </a:solidFill>
           <a:ln>
             <a:noFill/>
@@ -382,31 +164,6 @@
           </a:fontRef>
         </p:style>
       </p:sp>
-    </p:spTree>
-  </p:cSld>
-  <p:clrMapOvr>
-    <a:overrideClrMapping bg1="dk1" tx1="lt1" bg2="dk2" tx2="lt2" accent1="accent1" accent2="accent2" accent3="accent3" accent4="accent4" accent5="accent5" accent6="accent6" hlink="hlink" folHlink="folHlink"/>
-  </p:clrMapOvr>
-</p:sldLayout>
-</file>
-
-<file path=ppt/slideLayouts/slideLayout10.xml><?xml version="1.0" encoding="utf-8"?>
-<p:sldLayout xmlns:a="http://schemas.openxmlformats.org/drawingml/2006/main" xmlns:r="http://schemas.openxmlformats.org/officeDocument/2006/relationships" xmlns:p="http://schemas.openxmlformats.org/presentationml/2006/main" type="vertTx" preserve="1">
-  <p:cSld name="Titre et texte vertical">
-    <p:spTree>
-      <p:nvGrpSpPr>
-        <p:cNvPr id="1" name=""/>
-        <p:cNvGrpSpPr/>
-        <p:nvPr/>
-      </p:nvGrpSpPr>
-      <p:grpSpPr>
-        <a:xfrm>
-          <a:off x="0" y="0"/>
-          <a:ext cx="0" cy="0"/>
-          <a:chOff x="0" y="0"/>
-          <a:chExt cx="0" cy="0"/>
-        </a:xfrm>
-      </p:grpSpPr>
       <p:sp>
         <p:nvSpPr>
           <p:cNvPr id="2" name="Title 1"/>
@@ -414,512 +171,7 @@
             <a:spLocks noGrp="1"/>
           </p:cNvSpPr>
           <p:nvPr>
-            <p:ph type="title"/>
-          </p:nvPr>
-        </p:nvSpPr>
-        <p:spPr/>
-        <p:txBody>
-          <a:bodyPr/>
-          <a:lstStyle/>
-          <a:p>
-            <a:r>
-              <a:rPr lang="fr-FR" smtClean="0"/>
-              <a:t>Modifiez le style du titre</a:t>
-            </a:r>
-            <a:endParaRPr lang="en-US" dirty="0"/>
-          </a:p>
-        </p:txBody>
-      </p:sp>
-      <p:sp>
-        <p:nvSpPr>
-          <p:cNvPr id="3" name="Vertical Text Placeholder 2"/>
-          <p:cNvSpPr>
-            <a:spLocks noGrp="1"/>
-          </p:cNvSpPr>
-          <p:nvPr>
-            <p:ph type="body" orient="vert" idx="1"/>
-          </p:nvPr>
-        </p:nvSpPr>
-        <p:spPr/>
-        <p:txBody>
-          <a:bodyPr vert="eaVert"/>
-          <a:lstStyle/>
-          <a:p>
-            <a:pPr lvl="0"/>
-            <a:r>
-              <a:rPr lang="fr-FR" smtClean="0"/>
-              <a:t>Modifier les styles du texte du masque</a:t>
-            </a:r>
-          </a:p>
-          <a:p>
-            <a:pPr lvl="1"/>
-            <a:r>
-              <a:rPr lang="fr-FR" smtClean="0"/>
-              <a:t>Deuxième niveau</a:t>
-            </a:r>
-          </a:p>
-          <a:p>
-            <a:pPr lvl="2"/>
-            <a:r>
-              <a:rPr lang="fr-FR" smtClean="0"/>
-              <a:t>Troisième niveau</a:t>
-            </a:r>
-          </a:p>
-          <a:p>
-            <a:pPr lvl="3"/>
-            <a:r>
-              <a:rPr lang="fr-FR" smtClean="0"/>
-              <a:t>Quatrième niveau</a:t>
-            </a:r>
-          </a:p>
-          <a:p>
-            <a:pPr lvl="4"/>
-            <a:r>
-              <a:rPr lang="fr-FR" smtClean="0"/>
-              <a:t>Cinquième niveau</a:t>
-            </a:r>
-            <a:endParaRPr lang="en-US" dirty="0"/>
-          </a:p>
-        </p:txBody>
-      </p:sp>
-      <p:sp>
-        <p:nvSpPr>
-          <p:cNvPr id="4" name="Date Placeholder 3"/>
-          <p:cNvSpPr>
-            <a:spLocks noGrp="1"/>
-          </p:cNvSpPr>
-          <p:nvPr>
-            <p:ph type="dt" sz="half" idx="10"/>
-          </p:nvPr>
-        </p:nvSpPr>
-        <p:spPr/>
-        <p:txBody>
-          <a:bodyPr/>
-          <a:lstStyle/>
-          <a:p>
-            <a:fld id="{C033E54A-A8CA-48C1-9504-691B58049D29}" type="datetimeFigureOut">
-              <a:rPr lang="en-US" dirty="0"/>
-              <a:t>12/14/2016</a:t>
-            </a:fld>
-            <a:endParaRPr lang="en-US" dirty="0"/>
-          </a:p>
-        </p:txBody>
-      </p:sp>
-      <p:sp>
-        <p:nvSpPr>
-          <p:cNvPr id="5" name="Footer Placeholder 4"/>
-          <p:cNvSpPr>
-            <a:spLocks noGrp="1"/>
-          </p:cNvSpPr>
-          <p:nvPr>
-            <p:ph type="ftr" sz="quarter" idx="11"/>
-          </p:nvPr>
-        </p:nvSpPr>
-        <p:spPr/>
-        <p:txBody>
-          <a:bodyPr/>
-          <a:lstStyle/>
-          <a:p>
-            <a:endParaRPr lang="en-US" dirty="0"/>
-          </a:p>
-        </p:txBody>
-      </p:sp>
-      <p:sp>
-        <p:nvSpPr>
-          <p:cNvPr id="6" name="Slide Number Placeholder 5"/>
-          <p:cNvSpPr>
-            <a:spLocks noGrp="1"/>
-          </p:cNvSpPr>
-          <p:nvPr>
-            <p:ph type="sldNum" sz="quarter" idx="12"/>
-          </p:nvPr>
-        </p:nvSpPr>
-        <p:spPr/>
-        <p:txBody>
-          <a:bodyPr/>
-          <a:lstStyle/>
-          <a:p>
-            <a:fld id="{4FAB73BC-B049-4115-A692-8D63A059BFB8}" type="slidenum">
-              <a:rPr lang="en-US" dirty="0"/>
-              <a:t>‹N°›</a:t>
-            </a:fld>
-            <a:endParaRPr lang="en-US" dirty="0"/>
-          </a:p>
-        </p:txBody>
-      </p:sp>
-    </p:spTree>
-  </p:cSld>
-  <p:clrMapOvr>
-    <a:masterClrMapping/>
-  </p:clrMapOvr>
-</p:sldLayout>
-</file>
-
-<file path=ppt/slideLayouts/slideLayout11.xml><?xml version="1.0" encoding="utf-8"?>
-<p:sldLayout xmlns:a="http://schemas.openxmlformats.org/drawingml/2006/main" xmlns:r="http://schemas.openxmlformats.org/officeDocument/2006/relationships" xmlns:p="http://schemas.openxmlformats.org/presentationml/2006/main" type="vertTitleAndTx" preserve="1">
-  <p:cSld name="Titre vertical et texte">
-    <p:spTree>
-      <p:nvGrpSpPr>
-        <p:cNvPr id="1" name=""/>
-        <p:cNvGrpSpPr/>
-        <p:nvPr/>
-      </p:nvGrpSpPr>
-      <p:grpSpPr>
-        <a:xfrm>
-          <a:off x="0" y="0"/>
-          <a:ext cx="0" cy="0"/>
-          <a:chOff x="0" y="0"/>
-          <a:chExt cx="0" cy="0"/>
-        </a:xfrm>
-      </p:grpSpPr>
-      <p:sp>
-        <p:nvSpPr>
-          <p:cNvPr id="2" name="Vertical Title 1"/>
-          <p:cNvSpPr>
-            <a:spLocks noGrp="1"/>
-          </p:cNvSpPr>
-          <p:nvPr>
-            <p:ph type="title" orient="vert"/>
-          </p:nvPr>
-        </p:nvSpPr>
-        <p:spPr>
-          <a:xfrm>
-            <a:off x="8648700" y="381000"/>
-            <a:ext cx="2476500" cy="5897562"/>
-          </a:xfrm>
-        </p:spPr>
-        <p:txBody>
-          <a:bodyPr vert="eaVert"/>
-          <a:lstStyle/>
-          <a:p>
-            <a:r>
-              <a:rPr lang="fr-FR" smtClean="0"/>
-              <a:t>Modifiez le style du titre</a:t>
-            </a:r>
-            <a:endParaRPr lang="en-US" dirty="0"/>
-          </a:p>
-        </p:txBody>
-      </p:sp>
-      <p:sp>
-        <p:nvSpPr>
-          <p:cNvPr id="3" name="Vertical Text Placeholder 2"/>
-          <p:cNvSpPr>
-            <a:spLocks noGrp="1"/>
-          </p:cNvSpPr>
-          <p:nvPr>
-            <p:ph type="body" orient="vert" idx="1"/>
-          </p:nvPr>
-        </p:nvSpPr>
-        <p:spPr>
-          <a:xfrm>
-            <a:off x="762000" y="381000"/>
-            <a:ext cx="7734300" cy="5897562"/>
-          </a:xfrm>
-        </p:spPr>
-        <p:txBody>
-          <a:bodyPr vert="eaVert"/>
-          <a:lstStyle/>
-          <a:p>
-            <a:pPr lvl="0"/>
-            <a:r>
-              <a:rPr lang="fr-FR" smtClean="0"/>
-              <a:t>Modifier les styles du texte du masque</a:t>
-            </a:r>
-          </a:p>
-          <a:p>
-            <a:pPr lvl="1"/>
-            <a:r>
-              <a:rPr lang="fr-FR" smtClean="0"/>
-              <a:t>Deuxième niveau</a:t>
-            </a:r>
-          </a:p>
-          <a:p>
-            <a:pPr lvl="2"/>
-            <a:r>
-              <a:rPr lang="fr-FR" smtClean="0"/>
-              <a:t>Troisième niveau</a:t>
-            </a:r>
-          </a:p>
-          <a:p>
-            <a:pPr lvl="3"/>
-            <a:r>
-              <a:rPr lang="fr-FR" smtClean="0"/>
-              <a:t>Quatrième niveau</a:t>
-            </a:r>
-          </a:p>
-          <a:p>
-            <a:pPr lvl="4"/>
-            <a:r>
-              <a:rPr lang="fr-FR" smtClean="0"/>
-              <a:t>Cinquième niveau</a:t>
-            </a:r>
-            <a:endParaRPr lang="en-US" dirty="0"/>
-          </a:p>
-        </p:txBody>
-      </p:sp>
-      <p:sp>
-        <p:nvSpPr>
-          <p:cNvPr id="4" name="Date Placeholder 3"/>
-          <p:cNvSpPr>
-            <a:spLocks noGrp="1"/>
-          </p:cNvSpPr>
-          <p:nvPr>
-            <p:ph type="dt" sz="half" idx="10"/>
-          </p:nvPr>
-        </p:nvSpPr>
-        <p:spPr/>
-        <p:txBody>
-          <a:bodyPr/>
-          <a:lstStyle/>
-          <a:p>
-            <a:fld id="{B5F6C806-BBF7-471C-9527-881CE2266695}" type="datetimeFigureOut">
-              <a:rPr lang="en-US" dirty="0"/>
-              <a:t>12/14/2016</a:t>
-            </a:fld>
-            <a:endParaRPr lang="en-US" dirty="0"/>
-          </a:p>
-        </p:txBody>
-      </p:sp>
-      <p:sp>
-        <p:nvSpPr>
-          <p:cNvPr id="5" name="Footer Placeholder 4"/>
-          <p:cNvSpPr>
-            <a:spLocks noGrp="1"/>
-          </p:cNvSpPr>
-          <p:nvPr>
-            <p:ph type="ftr" sz="quarter" idx="11"/>
-          </p:nvPr>
-        </p:nvSpPr>
-        <p:spPr/>
-        <p:txBody>
-          <a:bodyPr/>
-          <a:lstStyle/>
-          <a:p>
-            <a:endParaRPr lang="en-US" dirty="0"/>
-          </a:p>
-        </p:txBody>
-      </p:sp>
-      <p:sp>
-        <p:nvSpPr>
-          <p:cNvPr id="6" name="Slide Number Placeholder 5"/>
-          <p:cNvSpPr>
-            <a:spLocks noGrp="1"/>
-          </p:cNvSpPr>
-          <p:nvPr>
-            <p:ph type="sldNum" sz="quarter" idx="12"/>
-          </p:nvPr>
-        </p:nvSpPr>
-        <p:spPr/>
-        <p:txBody>
-          <a:bodyPr/>
-          <a:lstStyle/>
-          <a:p>
-            <a:fld id="{4FAB73BC-B049-4115-A692-8D63A059BFB8}" type="slidenum">
-              <a:rPr lang="en-US" dirty="0"/>
-              <a:t>‹N°›</a:t>
-            </a:fld>
-            <a:endParaRPr lang="en-US" dirty="0"/>
-          </a:p>
-        </p:txBody>
-      </p:sp>
-    </p:spTree>
-  </p:cSld>
-  <p:clrMapOvr>
-    <a:masterClrMapping/>
-  </p:clrMapOvr>
-</p:sldLayout>
-</file>
-
-<file path=ppt/slideLayouts/slideLayout2.xml><?xml version="1.0" encoding="utf-8"?>
-<p:sldLayout xmlns:a="http://schemas.openxmlformats.org/drawingml/2006/main" xmlns:r="http://schemas.openxmlformats.org/officeDocument/2006/relationships" xmlns:p="http://schemas.openxmlformats.org/presentationml/2006/main" type="obj" preserve="1">
-  <p:cSld name="Titre et contenu">
-    <p:spTree>
-      <p:nvGrpSpPr>
-        <p:cNvPr id="1" name=""/>
-        <p:cNvGrpSpPr/>
-        <p:nvPr/>
-      </p:nvGrpSpPr>
-      <p:grpSpPr>
-        <a:xfrm>
-          <a:off x="0" y="0"/>
-          <a:ext cx="0" cy="0"/>
-          <a:chOff x="0" y="0"/>
-          <a:chExt cx="0" cy="0"/>
-        </a:xfrm>
-      </p:grpSpPr>
-      <p:sp>
-        <p:nvSpPr>
-          <p:cNvPr id="2" name="Title 1"/>
-          <p:cNvSpPr>
-            <a:spLocks noGrp="1"/>
-          </p:cNvSpPr>
-          <p:nvPr>
-            <p:ph type="title"/>
-          </p:nvPr>
-        </p:nvSpPr>
-        <p:spPr/>
-        <p:txBody>
-          <a:bodyPr/>
-          <a:lstStyle/>
-          <a:p>
-            <a:r>
-              <a:rPr lang="fr-FR" smtClean="0"/>
-              <a:t>Modifiez le style du titre</a:t>
-            </a:r>
-            <a:endParaRPr lang="en-US" dirty="0"/>
-          </a:p>
-        </p:txBody>
-      </p:sp>
-      <p:sp>
-        <p:nvSpPr>
-          <p:cNvPr id="3" name="Content Placeholder 2"/>
-          <p:cNvSpPr>
-            <a:spLocks noGrp="1"/>
-          </p:cNvSpPr>
-          <p:nvPr>
-            <p:ph idx="1"/>
-          </p:nvPr>
-        </p:nvSpPr>
-        <p:spPr/>
-        <p:txBody>
-          <a:bodyPr/>
-          <a:lstStyle/>
-          <a:p>
-            <a:pPr lvl="0"/>
-            <a:r>
-              <a:rPr lang="fr-FR" smtClean="0"/>
-              <a:t>Modifier les styles du texte du masque</a:t>
-            </a:r>
-          </a:p>
-          <a:p>
-            <a:pPr lvl="1"/>
-            <a:r>
-              <a:rPr lang="fr-FR" smtClean="0"/>
-              <a:t>Deuxième niveau</a:t>
-            </a:r>
-          </a:p>
-          <a:p>
-            <a:pPr lvl="2"/>
-            <a:r>
-              <a:rPr lang="fr-FR" smtClean="0"/>
-              <a:t>Troisième niveau</a:t>
-            </a:r>
-          </a:p>
-          <a:p>
-            <a:pPr lvl="3"/>
-            <a:r>
-              <a:rPr lang="fr-FR" smtClean="0"/>
-              <a:t>Quatrième niveau</a:t>
-            </a:r>
-          </a:p>
-          <a:p>
-            <a:pPr lvl="4"/>
-            <a:r>
-              <a:rPr lang="fr-FR" smtClean="0"/>
-              <a:t>Cinquième niveau</a:t>
-            </a:r>
-            <a:endParaRPr lang="en-US" dirty="0"/>
-          </a:p>
-        </p:txBody>
-      </p:sp>
-      <p:sp>
-        <p:nvSpPr>
-          <p:cNvPr id="4" name="Date Placeholder 3"/>
-          <p:cNvSpPr>
-            <a:spLocks noGrp="1"/>
-          </p:cNvSpPr>
-          <p:nvPr>
-            <p:ph type="dt" sz="half" idx="10"/>
-          </p:nvPr>
-        </p:nvSpPr>
-        <p:spPr/>
-        <p:txBody>
-          <a:bodyPr/>
-          <a:lstStyle/>
-          <a:p>
-            <a:fld id="{78C94063-DF36-4330-A365-08DA1FA5B7D6}" type="datetimeFigureOut">
-              <a:rPr lang="en-US" dirty="0"/>
-              <a:t>12/14/2016</a:t>
-            </a:fld>
-            <a:endParaRPr lang="en-US" dirty="0"/>
-          </a:p>
-        </p:txBody>
-      </p:sp>
-      <p:sp>
-        <p:nvSpPr>
-          <p:cNvPr id="5" name="Footer Placeholder 4"/>
-          <p:cNvSpPr>
-            <a:spLocks noGrp="1"/>
-          </p:cNvSpPr>
-          <p:nvPr>
-            <p:ph type="ftr" sz="quarter" idx="11"/>
-          </p:nvPr>
-        </p:nvSpPr>
-        <p:spPr/>
-        <p:txBody>
-          <a:bodyPr/>
-          <a:lstStyle/>
-          <a:p>
-            <a:endParaRPr lang="en-US" dirty="0"/>
-          </a:p>
-        </p:txBody>
-      </p:sp>
-      <p:sp>
-        <p:nvSpPr>
-          <p:cNvPr id="6" name="Slide Number Placeholder 5"/>
-          <p:cNvSpPr>
-            <a:spLocks noGrp="1"/>
-          </p:cNvSpPr>
-          <p:nvPr>
-            <p:ph type="sldNum" sz="quarter" idx="12"/>
-          </p:nvPr>
-        </p:nvSpPr>
-        <p:spPr/>
-        <p:txBody>
-          <a:bodyPr/>
-          <a:lstStyle/>
-          <a:p>
-            <a:fld id="{4FAB73BC-B049-4115-A692-8D63A059BFB8}" type="slidenum">
-              <a:rPr lang="en-US" dirty="0"/>
-              <a:t>‹N°›</a:t>
-            </a:fld>
-            <a:endParaRPr lang="en-US" dirty="0"/>
-          </a:p>
-        </p:txBody>
-      </p:sp>
-    </p:spTree>
-  </p:cSld>
-  <p:clrMapOvr>
-    <a:masterClrMapping/>
-  </p:clrMapOvr>
-</p:sldLayout>
-</file>
-
-<file path=ppt/slideLayouts/slideLayout3.xml><?xml version="1.0" encoding="utf-8"?>
-<p:sldLayout xmlns:a="http://schemas.openxmlformats.org/drawingml/2006/main" xmlns:r="http://schemas.openxmlformats.org/officeDocument/2006/relationships" xmlns:p="http://schemas.openxmlformats.org/presentationml/2006/main" type="secHead" preserve="1">
-  <p:cSld name="Titre de section">
-    <p:spTree>
-      <p:nvGrpSpPr>
-        <p:cNvPr id="1" name=""/>
-        <p:cNvGrpSpPr/>
-        <p:nvPr/>
-      </p:nvGrpSpPr>
-      <p:grpSpPr>
-        <a:xfrm>
-          <a:off x="0" y="0"/>
-          <a:ext cx="0" cy="0"/>
-          <a:chOff x="0" y="0"/>
-          <a:chExt cx="0" cy="0"/>
-        </a:xfrm>
-      </p:grpSpPr>
-      <p:sp>
-        <p:nvSpPr>
-          <p:cNvPr id="2" name="Title 1"/>
-          <p:cNvSpPr>
-            <a:spLocks noGrp="1"/>
-          </p:cNvSpPr>
-          <p:nvPr>
-            <p:ph type="title"/>
+            <p:ph type="ctrTitle"/>
           </p:nvPr>
         </p:nvSpPr>
         <p:spPr>
@@ -933,11 +185,15 @@
             <a:normAutofit/>
           </a:bodyPr>
           <a:lstStyle>
-            <a:lvl1pPr>
+            <a:lvl1pPr algn="l">
               <a:lnSpc>
                 <a:spcPct val="85000"/>
               </a:lnSpc>
-              <a:defRPr sz="7200" b="0"/>
+              <a:defRPr sz="7200" baseline="0">
+                <a:solidFill>
+                  <a:schemeClr val="tx1"/>
+                </a:solidFill>
+              </a:defRPr>
             </a:lvl1pPr>
           </a:lstStyle>
           <a:p>
@@ -951,12 +207,12 @@
       </p:sp>
       <p:sp>
         <p:nvSpPr>
-          <p:cNvPr id="3" name="Text Placeholder 2"/>
-          <p:cNvSpPr>
-            <a:spLocks noGrp="1"/>
-          </p:cNvSpPr>
-          <p:nvPr>
-            <p:ph type="body" idx="1"/>
+          <p:cNvPr id="3" name="Subtitle 2"/>
+          <p:cNvSpPr>
+            <a:spLocks noGrp="1"/>
+          </p:cNvSpPr>
+          <p:nvPr>
+            <p:ph type="subTitle" idx="1"/>
           </p:nvPr>
         </p:nvSpPr>
         <p:spPr>
@@ -966,149 +222,120 @@
           </a:xfrm>
         </p:spPr>
         <p:txBody>
-          <a:bodyPr anchor="t">
+          <a:bodyPr>
             <a:normAutofit/>
           </a:bodyPr>
           <a:lstStyle>
-            <a:lvl1pPr marL="0" indent="0">
-              <a:buNone/>
-              <a:defRPr sz="2200">
+            <a:lvl1pPr marL="0" indent="0" algn="l">
+              <a:buNone/>
+              <a:defRPr sz="2200" baseline="0">
                 <a:solidFill>
                   <a:schemeClr val="tx1">
                     <a:lumMod val="65000"/>
-                    <a:lumOff val="35000"/>
                   </a:schemeClr>
                 </a:solidFill>
               </a:defRPr>
             </a:lvl1pPr>
-            <a:lvl2pPr marL="457200" indent="0">
-              <a:buNone/>
-              <a:defRPr sz="1800">
+            <a:lvl2pPr marL="457200" indent="0" algn="ctr">
+              <a:buNone/>
+              <a:defRPr sz="2200"/>
+            </a:lvl2pPr>
+            <a:lvl3pPr marL="914400" indent="0" algn="ctr">
+              <a:buNone/>
+              <a:defRPr sz="2200"/>
+            </a:lvl3pPr>
+            <a:lvl4pPr marL="1371600" indent="0" algn="ctr">
+              <a:buNone/>
+              <a:defRPr sz="2000"/>
+            </a:lvl4pPr>
+            <a:lvl5pPr marL="1828800" indent="0" algn="ctr">
+              <a:buNone/>
+              <a:defRPr sz="2000"/>
+            </a:lvl5pPr>
+            <a:lvl6pPr marL="2286000" indent="0" algn="ctr">
+              <a:buNone/>
+              <a:defRPr sz="2000"/>
+            </a:lvl6pPr>
+            <a:lvl7pPr marL="2743200" indent="0" algn="ctr">
+              <a:buNone/>
+              <a:defRPr sz="2000"/>
+            </a:lvl7pPr>
+            <a:lvl8pPr marL="3200400" indent="0" algn="ctr">
+              <a:buNone/>
+              <a:defRPr sz="2000"/>
+            </a:lvl8pPr>
+            <a:lvl9pPr marL="3657600" indent="0" algn="ctr">
+              <a:buNone/>
+              <a:defRPr sz="2000"/>
+            </a:lvl9pPr>
+          </a:lstStyle>
+          <a:p>
+            <a:r>
+              <a:rPr lang="fr-FR" smtClean="0"/>
+              <a:t>Modifier le style des sous-titres du masque</a:t>
+            </a:r>
+            <a:endParaRPr lang="en-US" dirty="0"/>
+          </a:p>
+        </p:txBody>
+      </p:sp>
+      <p:sp>
+        <p:nvSpPr>
+          <p:cNvPr id="4" name="Date Placeholder 3"/>
+          <p:cNvSpPr>
+            <a:spLocks noGrp="1"/>
+          </p:cNvSpPr>
+          <p:nvPr>
+            <p:ph type="dt" sz="half" idx="10"/>
+          </p:nvPr>
+        </p:nvSpPr>
+        <p:spPr/>
+        <p:txBody>
+          <a:bodyPr/>
+          <a:lstStyle>
+            <a:lvl1pPr>
+              <a:defRPr>
                 <a:solidFill>
                   <a:schemeClr val="tx1">
-                    <a:tint val="75000"/>
+                    <a:lumMod val="50000"/>
                   </a:schemeClr>
                 </a:solidFill>
               </a:defRPr>
-            </a:lvl2pPr>
-            <a:lvl3pPr marL="914400" indent="0">
-              <a:buNone/>
-              <a:defRPr sz="1600">
+            </a:lvl1pPr>
+          </a:lstStyle>
+          <a:p>
+            <a:fld id="{9E016143-E03C-4CFD-AFDC-14E5BDEA754C}" type="datetimeFigureOut">
+              <a:rPr lang="en-US" smtClean="0"/>
+              <a:t>12/14/2016</a:t>
+            </a:fld>
+            <a:endParaRPr lang="en-US" dirty="0"/>
+          </a:p>
+        </p:txBody>
+      </p:sp>
+      <p:sp>
+        <p:nvSpPr>
+          <p:cNvPr id="5" name="Footer Placeholder 4"/>
+          <p:cNvSpPr>
+            <a:spLocks noGrp="1"/>
+          </p:cNvSpPr>
+          <p:nvPr>
+            <p:ph type="ftr" sz="quarter" idx="11"/>
+          </p:nvPr>
+        </p:nvSpPr>
+        <p:spPr/>
+        <p:txBody>
+          <a:bodyPr/>
+          <a:lstStyle>
+            <a:lvl1pPr>
+              <a:defRPr>
                 <a:solidFill>
                   <a:schemeClr val="tx1">
-                    <a:tint val="75000"/>
+                    <a:lumMod val="65000"/>
                   </a:schemeClr>
                 </a:solidFill>
               </a:defRPr>
-            </a:lvl3pPr>
-            <a:lvl4pPr marL="1371600" indent="0">
-              <a:buNone/>
-              <a:defRPr sz="1400">
-                <a:solidFill>
-                  <a:schemeClr val="tx1">
-                    <a:tint val="75000"/>
-                  </a:schemeClr>
-                </a:solidFill>
-              </a:defRPr>
-            </a:lvl4pPr>
-            <a:lvl5pPr marL="1828800" indent="0">
-              <a:buNone/>
-              <a:defRPr sz="1400">
-                <a:solidFill>
-                  <a:schemeClr val="tx1">
-                    <a:tint val="75000"/>
-                  </a:schemeClr>
-                </a:solidFill>
-              </a:defRPr>
-            </a:lvl5pPr>
-            <a:lvl6pPr marL="2286000" indent="0">
-              <a:buNone/>
-              <a:defRPr sz="1400">
-                <a:solidFill>
-                  <a:schemeClr val="tx1">
-                    <a:tint val="75000"/>
-                  </a:schemeClr>
-                </a:solidFill>
-              </a:defRPr>
-            </a:lvl6pPr>
-            <a:lvl7pPr marL="2743200" indent="0">
-              <a:buNone/>
-              <a:defRPr sz="1400">
-                <a:solidFill>
-                  <a:schemeClr val="tx1">
-                    <a:tint val="75000"/>
-                  </a:schemeClr>
-                </a:solidFill>
-              </a:defRPr>
-            </a:lvl7pPr>
-            <a:lvl8pPr marL="3200400" indent="0">
-              <a:buNone/>
-              <a:defRPr sz="1400">
-                <a:solidFill>
-                  <a:schemeClr val="tx1">
-                    <a:tint val="75000"/>
-                  </a:schemeClr>
-                </a:solidFill>
-              </a:defRPr>
-            </a:lvl8pPr>
-            <a:lvl9pPr marL="3657600" indent="0">
-              <a:buNone/>
-              <a:defRPr sz="1400">
-                <a:solidFill>
-                  <a:schemeClr val="tx1">
-                    <a:tint val="75000"/>
-                  </a:schemeClr>
-                </a:solidFill>
-              </a:defRPr>
-            </a:lvl9pPr>
+            </a:lvl1pPr>
           </a:lstStyle>
           <a:p>
-            <a:pPr lvl="0"/>
-            <a:r>
-              <a:rPr lang="fr-FR" smtClean="0"/>
-              <a:t>Modifier les styles du texte du masque</a:t>
-            </a:r>
-          </a:p>
-        </p:txBody>
-      </p:sp>
-      <p:sp>
-        <p:nvSpPr>
-          <p:cNvPr id="4" name="Date Placeholder 3"/>
-          <p:cNvSpPr>
-            <a:spLocks noGrp="1"/>
-          </p:cNvSpPr>
-          <p:nvPr>
-            <p:ph type="dt" sz="half" idx="10"/>
-          </p:nvPr>
-        </p:nvSpPr>
-        <p:spPr/>
-        <p:txBody>
-          <a:bodyPr/>
-          <a:lstStyle/>
-          <a:p>
-            <a:fld id="{908A7C6C-0F39-4D70-8E8D-FE5B9C95FA73}" type="datetimeFigureOut">
-              <a:rPr lang="en-US" dirty="0"/>
-              <a:t>12/14/2016</a:t>
-            </a:fld>
-            <a:endParaRPr lang="en-US" dirty="0"/>
-          </a:p>
-        </p:txBody>
-      </p:sp>
-      <p:sp>
-        <p:nvSpPr>
-          <p:cNvPr id="5" name="Footer Placeholder 4"/>
-          <p:cNvSpPr>
-            <a:spLocks noGrp="1"/>
-          </p:cNvSpPr>
-          <p:nvPr>
-            <p:ph type="ftr" sz="quarter" idx="11"/>
-          </p:nvPr>
-        </p:nvSpPr>
-        <p:spPr/>
-        <p:txBody>
-          <a:bodyPr/>
-          <a:lstStyle/>
-          <a:p>
             <a:endParaRPr lang="en-US" dirty="0"/>
           </a:p>
         </p:txBody>
@@ -1125,11 +352,18 @@
         </p:nvSpPr>
         <p:spPr/>
         <p:txBody>
-          <a:bodyPr/>
-          <a:lstStyle/>
+          <a:bodyPr vert="horz" lIns="45720" tIns="45720" rIns="45720" bIns="45720" rtlCol="0" anchor="ctr">
+            <a:normAutofit/>
+          </a:bodyPr>
+          <a:lstStyle>
+            <a:lvl1pPr>
+              <a:defRPr lang="en-US"/>
+            </a:lvl1pPr>
+          </a:lstStyle>
           <a:p>
             <a:fld id="{4FAB73BC-B049-4115-A692-8D63A059BFB8}" type="slidenum">
-              <a:rPr lang="en-US" dirty="0"/>
+              <a:rPr lang="en-US" smtClean="0"/>
+              <a:pPr/>
               <a:t>‹N°›</a:t>
             </a:fld>
             <a:endParaRPr lang="en-US" dirty="0"/>
@@ -1151,7 +385,7 @@
             <a:avLst/>
           </a:prstGeom>
           <a:solidFill>
-            <a:schemeClr val="accent1"/>
+            <a:srgbClr val="303030"/>
           </a:solidFill>
           <a:ln>
             <a:noFill/>
@@ -1175,10 +409,879 @@
         </p:style>
       </p:sp>
     </p:spTree>
+    <p:extLst>
+      <p:ext uri="{BB962C8B-B14F-4D97-AF65-F5344CB8AC3E}">
+        <p14:creationId xmlns:p14="http://schemas.microsoft.com/office/powerpoint/2010/main" val="3082516890"/>
+      </p:ext>
+    </p:extLst>
   </p:cSld>
   <p:clrMapOvr>
     <a:masterClrMapping/>
   </p:clrMapOvr>
+  <p:transition spd="slow">
+    <p:push/>
+  </p:transition>
+</p:sldLayout>
+</file>
+
+<file path=ppt/slideLayouts/slideLayout10.xml><?xml version="1.0" encoding="utf-8"?>
+<p:sldLayout xmlns:a="http://schemas.openxmlformats.org/drawingml/2006/main" xmlns:r="http://schemas.openxmlformats.org/officeDocument/2006/relationships" xmlns:p="http://schemas.openxmlformats.org/presentationml/2006/main" type="vertTx" preserve="1">
+  <p:cSld name="Titre et texte vertical">
+    <p:spTree>
+      <p:nvGrpSpPr>
+        <p:cNvPr id="1" name=""/>
+        <p:cNvGrpSpPr/>
+        <p:nvPr/>
+      </p:nvGrpSpPr>
+      <p:grpSpPr>
+        <a:xfrm>
+          <a:off x="0" y="0"/>
+          <a:ext cx="0" cy="0"/>
+          <a:chOff x="0" y="0"/>
+          <a:chExt cx="0" cy="0"/>
+        </a:xfrm>
+      </p:grpSpPr>
+      <p:sp>
+        <p:nvSpPr>
+          <p:cNvPr id="2" name="Title 1"/>
+          <p:cNvSpPr>
+            <a:spLocks noGrp="1"/>
+          </p:cNvSpPr>
+          <p:nvPr>
+            <p:ph type="title"/>
+          </p:nvPr>
+        </p:nvSpPr>
+        <p:spPr/>
+        <p:txBody>
+          <a:bodyPr/>
+          <a:lstStyle/>
+          <a:p>
+            <a:r>
+              <a:rPr lang="fr-FR" smtClean="0"/>
+              <a:t>Modifiez le style du titre</a:t>
+            </a:r>
+            <a:endParaRPr lang="en-US" dirty="0"/>
+          </a:p>
+        </p:txBody>
+      </p:sp>
+      <p:sp>
+        <p:nvSpPr>
+          <p:cNvPr id="3" name="Vertical Text Placeholder 2"/>
+          <p:cNvSpPr>
+            <a:spLocks noGrp="1"/>
+          </p:cNvSpPr>
+          <p:nvPr>
+            <p:ph type="body" orient="vert" idx="1"/>
+          </p:nvPr>
+        </p:nvSpPr>
+        <p:spPr/>
+        <p:txBody>
+          <a:bodyPr vert="eaVert"/>
+          <a:lstStyle/>
+          <a:p>
+            <a:pPr lvl="0"/>
+            <a:r>
+              <a:rPr lang="fr-FR" smtClean="0"/>
+              <a:t>Modifier les styles du texte du masque</a:t>
+            </a:r>
+          </a:p>
+          <a:p>
+            <a:pPr lvl="1"/>
+            <a:r>
+              <a:rPr lang="fr-FR" smtClean="0"/>
+              <a:t>Deuxième niveau</a:t>
+            </a:r>
+          </a:p>
+          <a:p>
+            <a:pPr lvl="2"/>
+            <a:r>
+              <a:rPr lang="fr-FR" smtClean="0"/>
+              <a:t>Troisième niveau</a:t>
+            </a:r>
+          </a:p>
+          <a:p>
+            <a:pPr lvl="3"/>
+            <a:r>
+              <a:rPr lang="fr-FR" smtClean="0"/>
+              <a:t>Quatrième niveau</a:t>
+            </a:r>
+          </a:p>
+          <a:p>
+            <a:pPr lvl="4"/>
+            <a:r>
+              <a:rPr lang="fr-FR" smtClean="0"/>
+              <a:t>Cinquième niveau</a:t>
+            </a:r>
+            <a:endParaRPr lang="en-US" dirty="0"/>
+          </a:p>
+        </p:txBody>
+      </p:sp>
+      <p:sp>
+        <p:nvSpPr>
+          <p:cNvPr id="4" name="Date Placeholder 3"/>
+          <p:cNvSpPr>
+            <a:spLocks noGrp="1"/>
+          </p:cNvSpPr>
+          <p:nvPr>
+            <p:ph type="dt" sz="half" idx="10"/>
+          </p:nvPr>
+        </p:nvSpPr>
+        <p:spPr/>
+        <p:txBody>
+          <a:bodyPr/>
+          <a:lstStyle/>
+          <a:p>
+            <a:fld id="{C033E54A-A8CA-48C1-9504-691B58049D29}" type="datetimeFigureOut">
+              <a:rPr lang="en-US" smtClean="0"/>
+              <a:t>12/14/2016</a:t>
+            </a:fld>
+            <a:endParaRPr lang="en-US" dirty="0"/>
+          </a:p>
+        </p:txBody>
+      </p:sp>
+      <p:sp>
+        <p:nvSpPr>
+          <p:cNvPr id="5" name="Footer Placeholder 4"/>
+          <p:cNvSpPr>
+            <a:spLocks noGrp="1"/>
+          </p:cNvSpPr>
+          <p:nvPr>
+            <p:ph type="ftr" sz="quarter" idx="11"/>
+          </p:nvPr>
+        </p:nvSpPr>
+        <p:spPr/>
+        <p:txBody>
+          <a:bodyPr/>
+          <a:lstStyle/>
+          <a:p>
+            <a:endParaRPr lang="en-US" dirty="0"/>
+          </a:p>
+        </p:txBody>
+      </p:sp>
+      <p:sp>
+        <p:nvSpPr>
+          <p:cNvPr id="6" name="Slide Number Placeholder 5"/>
+          <p:cNvSpPr>
+            <a:spLocks noGrp="1"/>
+          </p:cNvSpPr>
+          <p:nvPr>
+            <p:ph type="sldNum" sz="quarter" idx="12"/>
+          </p:nvPr>
+        </p:nvSpPr>
+        <p:spPr/>
+        <p:txBody>
+          <a:bodyPr/>
+          <a:lstStyle/>
+          <a:p>
+            <a:fld id="{4FAB73BC-B049-4115-A692-8D63A059BFB8}" type="slidenum">
+              <a:rPr lang="en-US" smtClean="0"/>
+              <a:t>‹N°›</a:t>
+            </a:fld>
+            <a:endParaRPr lang="en-US" dirty="0"/>
+          </a:p>
+        </p:txBody>
+      </p:sp>
+    </p:spTree>
+    <p:extLst>
+      <p:ext uri="{BB962C8B-B14F-4D97-AF65-F5344CB8AC3E}">
+        <p14:creationId xmlns:p14="http://schemas.microsoft.com/office/powerpoint/2010/main" val="1653069946"/>
+      </p:ext>
+    </p:extLst>
+  </p:cSld>
+  <p:clrMapOvr>
+    <a:masterClrMapping/>
+  </p:clrMapOvr>
+  <p:transition spd="slow">
+    <p:push/>
+  </p:transition>
+</p:sldLayout>
+</file>
+
+<file path=ppt/slideLayouts/slideLayout11.xml><?xml version="1.0" encoding="utf-8"?>
+<p:sldLayout xmlns:a="http://schemas.openxmlformats.org/drawingml/2006/main" xmlns:r="http://schemas.openxmlformats.org/officeDocument/2006/relationships" xmlns:p="http://schemas.openxmlformats.org/presentationml/2006/main" type="vertTitleAndTx" preserve="1">
+  <p:cSld name="Titre vertical et texte">
+    <p:spTree>
+      <p:nvGrpSpPr>
+        <p:cNvPr id="1" name=""/>
+        <p:cNvGrpSpPr/>
+        <p:nvPr/>
+      </p:nvGrpSpPr>
+      <p:grpSpPr>
+        <a:xfrm>
+          <a:off x="0" y="0"/>
+          <a:ext cx="0" cy="0"/>
+          <a:chOff x="0" y="0"/>
+          <a:chExt cx="0" cy="0"/>
+        </a:xfrm>
+      </p:grpSpPr>
+      <p:sp>
+        <p:nvSpPr>
+          <p:cNvPr id="2" name="Vertical Title 1"/>
+          <p:cNvSpPr>
+            <a:spLocks noGrp="1"/>
+          </p:cNvSpPr>
+          <p:nvPr>
+            <p:ph type="title" orient="vert"/>
+          </p:nvPr>
+        </p:nvSpPr>
+        <p:spPr>
+          <a:xfrm>
+            <a:off x="8648700" y="381000"/>
+            <a:ext cx="2476500" cy="5897562"/>
+          </a:xfrm>
+        </p:spPr>
+        <p:txBody>
+          <a:bodyPr vert="eaVert"/>
+          <a:lstStyle/>
+          <a:p>
+            <a:r>
+              <a:rPr lang="fr-FR" smtClean="0"/>
+              <a:t>Modifiez le style du titre</a:t>
+            </a:r>
+            <a:endParaRPr lang="en-US" dirty="0"/>
+          </a:p>
+        </p:txBody>
+      </p:sp>
+      <p:sp>
+        <p:nvSpPr>
+          <p:cNvPr id="3" name="Vertical Text Placeholder 2"/>
+          <p:cNvSpPr>
+            <a:spLocks noGrp="1"/>
+          </p:cNvSpPr>
+          <p:nvPr>
+            <p:ph type="body" orient="vert" idx="1"/>
+          </p:nvPr>
+        </p:nvSpPr>
+        <p:spPr>
+          <a:xfrm>
+            <a:off x="762000" y="381000"/>
+            <a:ext cx="7734300" cy="5897562"/>
+          </a:xfrm>
+        </p:spPr>
+        <p:txBody>
+          <a:bodyPr vert="eaVert"/>
+          <a:lstStyle/>
+          <a:p>
+            <a:pPr lvl="0"/>
+            <a:r>
+              <a:rPr lang="fr-FR" smtClean="0"/>
+              <a:t>Modifier les styles du texte du masque</a:t>
+            </a:r>
+          </a:p>
+          <a:p>
+            <a:pPr lvl="1"/>
+            <a:r>
+              <a:rPr lang="fr-FR" smtClean="0"/>
+              <a:t>Deuxième niveau</a:t>
+            </a:r>
+          </a:p>
+          <a:p>
+            <a:pPr lvl="2"/>
+            <a:r>
+              <a:rPr lang="fr-FR" smtClean="0"/>
+              <a:t>Troisième niveau</a:t>
+            </a:r>
+          </a:p>
+          <a:p>
+            <a:pPr lvl="3"/>
+            <a:r>
+              <a:rPr lang="fr-FR" smtClean="0"/>
+              <a:t>Quatrième niveau</a:t>
+            </a:r>
+          </a:p>
+          <a:p>
+            <a:pPr lvl="4"/>
+            <a:r>
+              <a:rPr lang="fr-FR" smtClean="0"/>
+              <a:t>Cinquième niveau</a:t>
+            </a:r>
+            <a:endParaRPr lang="en-US" dirty="0"/>
+          </a:p>
+        </p:txBody>
+      </p:sp>
+      <p:sp>
+        <p:nvSpPr>
+          <p:cNvPr id="4" name="Date Placeholder 3"/>
+          <p:cNvSpPr>
+            <a:spLocks noGrp="1"/>
+          </p:cNvSpPr>
+          <p:nvPr>
+            <p:ph type="dt" sz="half" idx="10"/>
+          </p:nvPr>
+        </p:nvSpPr>
+        <p:spPr/>
+        <p:txBody>
+          <a:bodyPr/>
+          <a:lstStyle/>
+          <a:p>
+            <a:fld id="{B5F6C806-BBF7-471C-9527-881CE2266695}" type="datetimeFigureOut">
+              <a:rPr lang="en-US" smtClean="0"/>
+              <a:t>12/14/2016</a:t>
+            </a:fld>
+            <a:endParaRPr lang="en-US" dirty="0"/>
+          </a:p>
+        </p:txBody>
+      </p:sp>
+      <p:sp>
+        <p:nvSpPr>
+          <p:cNvPr id="5" name="Footer Placeholder 4"/>
+          <p:cNvSpPr>
+            <a:spLocks noGrp="1"/>
+          </p:cNvSpPr>
+          <p:nvPr>
+            <p:ph type="ftr" sz="quarter" idx="11"/>
+          </p:nvPr>
+        </p:nvSpPr>
+        <p:spPr/>
+        <p:txBody>
+          <a:bodyPr/>
+          <a:lstStyle/>
+          <a:p>
+            <a:endParaRPr lang="en-US" dirty="0"/>
+          </a:p>
+        </p:txBody>
+      </p:sp>
+      <p:sp>
+        <p:nvSpPr>
+          <p:cNvPr id="6" name="Slide Number Placeholder 5"/>
+          <p:cNvSpPr>
+            <a:spLocks noGrp="1"/>
+          </p:cNvSpPr>
+          <p:nvPr>
+            <p:ph type="sldNum" sz="quarter" idx="12"/>
+          </p:nvPr>
+        </p:nvSpPr>
+        <p:spPr/>
+        <p:txBody>
+          <a:bodyPr/>
+          <a:lstStyle/>
+          <a:p>
+            <a:fld id="{4FAB73BC-B049-4115-A692-8D63A059BFB8}" type="slidenum">
+              <a:rPr lang="en-US" smtClean="0"/>
+              <a:t>‹N°›</a:t>
+            </a:fld>
+            <a:endParaRPr lang="en-US" dirty="0"/>
+          </a:p>
+        </p:txBody>
+      </p:sp>
+    </p:spTree>
+    <p:extLst>
+      <p:ext uri="{BB962C8B-B14F-4D97-AF65-F5344CB8AC3E}">
+        <p14:creationId xmlns:p14="http://schemas.microsoft.com/office/powerpoint/2010/main" val="464204088"/>
+      </p:ext>
+    </p:extLst>
+  </p:cSld>
+  <p:clrMapOvr>
+    <a:masterClrMapping/>
+  </p:clrMapOvr>
+  <p:transition spd="slow">
+    <p:push/>
+  </p:transition>
+</p:sldLayout>
+</file>
+
+<file path=ppt/slideLayouts/slideLayout2.xml><?xml version="1.0" encoding="utf-8"?>
+<p:sldLayout xmlns:a="http://schemas.openxmlformats.org/drawingml/2006/main" xmlns:r="http://schemas.openxmlformats.org/officeDocument/2006/relationships" xmlns:p="http://schemas.openxmlformats.org/presentationml/2006/main" type="obj" preserve="1">
+  <p:cSld name="Titre et contenu">
+    <p:spTree>
+      <p:nvGrpSpPr>
+        <p:cNvPr id="1" name=""/>
+        <p:cNvGrpSpPr/>
+        <p:nvPr/>
+      </p:nvGrpSpPr>
+      <p:grpSpPr>
+        <a:xfrm>
+          <a:off x="0" y="0"/>
+          <a:ext cx="0" cy="0"/>
+          <a:chOff x="0" y="0"/>
+          <a:chExt cx="0" cy="0"/>
+        </a:xfrm>
+      </p:grpSpPr>
+      <p:sp>
+        <p:nvSpPr>
+          <p:cNvPr id="2" name="Title 1"/>
+          <p:cNvSpPr>
+            <a:spLocks noGrp="1"/>
+          </p:cNvSpPr>
+          <p:nvPr>
+            <p:ph type="title"/>
+          </p:nvPr>
+        </p:nvSpPr>
+        <p:spPr/>
+        <p:txBody>
+          <a:bodyPr/>
+          <a:lstStyle/>
+          <a:p>
+            <a:r>
+              <a:rPr lang="fr-FR" smtClean="0"/>
+              <a:t>Modifiez le style du titre</a:t>
+            </a:r>
+            <a:endParaRPr lang="en-US" dirty="0"/>
+          </a:p>
+        </p:txBody>
+      </p:sp>
+      <p:sp>
+        <p:nvSpPr>
+          <p:cNvPr id="3" name="Content Placeholder 2"/>
+          <p:cNvSpPr>
+            <a:spLocks noGrp="1"/>
+          </p:cNvSpPr>
+          <p:nvPr>
+            <p:ph idx="1"/>
+          </p:nvPr>
+        </p:nvSpPr>
+        <p:spPr/>
+        <p:txBody>
+          <a:bodyPr/>
+          <a:lstStyle/>
+          <a:p>
+            <a:pPr lvl="0"/>
+            <a:r>
+              <a:rPr lang="fr-FR" smtClean="0"/>
+              <a:t>Modifier les styles du texte du masque</a:t>
+            </a:r>
+          </a:p>
+          <a:p>
+            <a:pPr lvl="1"/>
+            <a:r>
+              <a:rPr lang="fr-FR" smtClean="0"/>
+              <a:t>Deuxième niveau</a:t>
+            </a:r>
+          </a:p>
+          <a:p>
+            <a:pPr lvl="2"/>
+            <a:r>
+              <a:rPr lang="fr-FR" smtClean="0"/>
+              <a:t>Troisième niveau</a:t>
+            </a:r>
+          </a:p>
+          <a:p>
+            <a:pPr lvl="3"/>
+            <a:r>
+              <a:rPr lang="fr-FR" smtClean="0"/>
+              <a:t>Quatrième niveau</a:t>
+            </a:r>
+          </a:p>
+          <a:p>
+            <a:pPr lvl="4"/>
+            <a:r>
+              <a:rPr lang="fr-FR" smtClean="0"/>
+              <a:t>Cinquième niveau</a:t>
+            </a:r>
+            <a:endParaRPr lang="en-US" dirty="0"/>
+          </a:p>
+        </p:txBody>
+      </p:sp>
+      <p:sp>
+        <p:nvSpPr>
+          <p:cNvPr id="4" name="Date Placeholder 3"/>
+          <p:cNvSpPr>
+            <a:spLocks noGrp="1"/>
+          </p:cNvSpPr>
+          <p:nvPr>
+            <p:ph type="dt" sz="half" idx="10"/>
+          </p:nvPr>
+        </p:nvSpPr>
+        <p:spPr/>
+        <p:txBody>
+          <a:bodyPr/>
+          <a:lstStyle/>
+          <a:p>
+            <a:fld id="{78C94063-DF36-4330-A365-08DA1FA5B7D6}" type="datetimeFigureOut">
+              <a:rPr lang="en-US" smtClean="0"/>
+              <a:t>12/14/2016</a:t>
+            </a:fld>
+            <a:endParaRPr lang="en-US" dirty="0"/>
+          </a:p>
+        </p:txBody>
+      </p:sp>
+      <p:sp>
+        <p:nvSpPr>
+          <p:cNvPr id="5" name="Footer Placeholder 4"/>
+          <p:cNvSpPr>
+            <a:spLocks noGrp="1"/>
+          </p:cNvSpPr>
+          <p:nvPr>
+            <p:ph type="ftr" sz="quarter" idx="11"/>
+          </p:nvPr>
+        </p:nvSpPr>
+        <p:spPr/>
+        <p:txBody>
+          <a:bodyPr/>
+          <a:lstStyle/>
+          <a:p>
+            <a:endParaRPr lang="en-US" dirty="0"/>
+          </a:p>
+        </p:txBody>
+      </p:sp>
+      <p:sp>
+        <p:nvSpPr>
+          <p:cNvPr id="6" name="Slide Number Placeholder 5"/>
+          <p:cNvSpPr>
+            <a:spLocks noGrp="1"/>
+          </p:cNvSpPr>
+          <p:nvPr>
+            <p:ph type="sldNum" sz="quarter" idx="12"/>
+          </p:nvPr>
+        </p:nvSpPr>
+        <p:spPr/>
+        <p:txBody>
+          <a:bodyPr/>
+          <a:lstStyle/>
+          <a:p>
+            <a:fld id="{4FAB73BC-B049-4115-A692-8D63A059BFB8}" type="slidenum">
+              <a:rPr lang="en-US" smtClean="0"/>
+              <a:t>‹N°›</a:t>
+            </a:fld>
+            <a:endParaRPr lang="en-US" dirty="0"/>
+          </a:p>
+        </p:txBody>
+      </p:sp>
+    </p:spTree>
+    <p:extLst>
+      <p:ext uri="{BB962C8B-B14F-4D97-AF65-F5344CB8AC3E}">
+        <p14:creationId xmlns:p14="http://schemas.microsoft.com/office/powerpoint/2010/main" val="1216095625"/>
+      </p:ext>
+    </p:extLst>
+  </p:cSld>
+  <p:clrMapOvr>
+    <a:masterClrMapping/>
+  </p:clrMapOvr>
+  <p:transition spd="slow">
+    <p:push/>
+  </p:transition>
+</p:sldLayout>
+</file>
+
+<file path=ppt/slideLayouts/slideLayout3.xml><?xml version="1.0" encoding="utf-8"?>
+<p:sldLayout xmlns:a="http://schemas.openxmlformats.org/drawingml/2006/main" xmlns:r="http://schemas.openxmlformats.org/officeDocument/2006/relationships" xmlns:p="http://schemas.openxmlformats.org/presentationml/2006/main" showMasterSp="0" type="secHead" preserve="1">
+  <p:cSld name="Titre de section">
+    <p:spTree>
+      <p:nvGrpSpPr>
+        <p:cNvPr id="1" name=""/>
+        <p:cNvGrpSpPr/>
+        <p:nvPr/>
+      </p:nvGrpSpPr>
+      <p:grpSpPr>
+        <a:xfrm>
+          <a:off x="0" y="0"/>
+          <a:ext cx="0" cy="0"/>
+          <a:chOff x="0" y="0"/>
+          <a:chExt cx="0" cy="0"/>
+        </a:xfrm>
+      </p:grpSpPr>
+      <p:sp>
+        <p:nvSpPr>
+          <p:cNvPr id="8" name="Rectangle 7"/>
+          <p:cNvSpPr/>
+          <p:nvPr/>
+        </p:nvSpPr>
+        <p:spPr>
+          <a:xfrm>
+            <a:off x="11292840" y="0"/>
+            <a:ext cx="914400" cy="6858000"/>
+          </a:xfrm>
+          <a:prstGeom prst="rect">
+            <a:avLst/>
+          </a:prstGeom>
+          <a:solidFill>
+            <a:srgbClr val="303030"/>
+          </a:solidFill>
+          <a:ln>
+            <a:noFill/>
+          </a:ln>
+        </p:spPr>
+        <p:style>
+          <a:lnRef idx="2">
+            <a:schemeClr val="accent1">
+              <a:shade val="50000"/>
+            </a:schemeClr>
+          </a:lnRef>
+          <a:fillRef idx="1">
+            <a:schemeClr val="accent1"/>
+          </a:fillRef>
+          <a:effectRef idx="0">
+            <a:schemeClr val="accent1"/>
+          </a:effectRef>
+          <a:fontRef idx="minor">
+            <a:schemeClr val="lt1"/>
+          </a:fontRef>
+        </p:style>
+      </p:sp>
+      <p:sp>
+        <p:nvSpPr>
+          <p:cNvPr id="2" name="Title 1"/>
+          <p:cNvSpPr>
+            <a:spLocks noGrp="1"/>
+          </p:cNvSpPr>
+          <p:nvPr>
+            <p:ph type="title"/>
+          </p:nvPr>
+        </p:nvSpPr>
+        <p:spPr>
+          <a:xfrm>
+            <a:off x="1261872" y="758952"/>
+            <a:ext cx="9418320" cy="4041648"/>
+          </a:xfrm>
+        </p:spPr>
+        <p:txBody>
+          <a:bodyPr anchor="b">
+            <a:normAutofit/>
+          </a:bodyPr>
+          <a:lstStyle>
+            <a:lvl1pPr>
+              <a:lnSpc>
+                <a:spcPct val="85000"/>
+              </a:lnSpc>
+              <a:defRPr sz="7200" b="0"/>
+            </a:lvl1pPr>
+          </a:lstStyle>
+          <a:p>
+            <a:r>
+              <a:rPr lang="fr-FR" smtClean="0"/>
+              <a:t>Modifiez le style du titre</a:t>
+            </a:r>
+            <a:endParaRPr lang="en-US" dirty="0"/>
+          </a:p>
+        </p:txBody>
+      </p:sp>
+      <p:sp>
+        <p:nvSpPr>
+          <p:cNvPr id="3" name="Text Placeholder 2"/>
+          <p:cNvSpPr>
+            <a:spLocks noGrp="1"/>
+          </p:cNvSpPr>
+          <p:nvPr>
+            <p:ph type="body" idx="1"/>
+          </p:nvPr>
+        </p:nvSpPr>
+        <p:spPr>
+          <a:xfrm>
+            <a:off x="1261872" y="4800600"/>
+            <a:ext cx="9418320" cy="1691640"/>
+          </a:xfrm>
+        </p:spPr>
+        <p:txBody>
+          <a:bodyPr anchor="t">
+            <a:normAutofit/>
+          </a:bodyPr>
+          <a:lstStyle>
+            <a:lvl1pPr marL="0" indent="0">
+              <a:buNone/>
+              <a:defRPr sz="2200">
+                <a:solidFill>
+                  <a:schemeClr val="tx1">
+                    <a:lumMod val="65000"/>
+                  </a:schemeClr>
+                </a:solidFill>
+              </a:defRPr>
+            </a:lvl1pPr>
+            <a:lvl2pPr marL="457200" indent="0">
+              <a:buNone/>
+              <a:defRPr sz="1800">
+                <a:solidFill>
+                  <a:schemeClr val="tx1">
+                    <a:tint val="75000"/>
+                  </a:schemeClr>
+                </a:solidFill>
+              </a:defRPr>
+            </a:lvl2pPr>
+            <a:lvl3pPr marL="914400" indent="0">
+              <a:buNone/>
+              <a:defRPr sz="1600">
+                <a:solidFill>
+                  <a:schemeClr val="tx1">
+                    <a:tint val="75000"/>
+                  </a:schemeClr>
+                </a:solidFill>
+              </a:defRPr>
+            </a:lvl3pPr>
+            <a:lvl4pPr marL="1371600" indent="0">
+              <a:buNone/>
+              <a:defRPr sz="1400">
+                <a:solidFill>
+                  <a:schemeClr val="tx1">
+                    <a:tint val="75000"/>
+                  </a:schemeClr>
+                </a:solidFill>
+              </a:defRPr>
+            </a:lvl4pPr>
+            <a:lvl5pPr marL="1828800" indent="0">
+              <a:buNone/>
+              <a:defRPr sz="1400">
+                <a:solidFill>
+                  <a:schemeClr val="tx1">
+                    <a:tint val="75000"/>
+                  </a:schemeClr>
+                </a:solidFill>
+              </a:defRPr>
+            </a:lvl5pPr>
+            <a:lvl6pPr marL="2286000" indent="0">
+              <a:buNone/>
+              <a:defRPr sz="1400">
+                <a:solidFill>
+                  <a:schemeClr val="tx1">
+                    <a:tint val="75000"/>
+                  </a:schemeClr>
+                </a:solidFill>
+              </a:defRPr>
+            </a:lvl6pPr>
+            <a:lvl7pPr marL="2743200" indent="0">
+              <a:buNone/>
+              <a:defRPr sz="1400">
+                <a:solidFill>
+                  <a:schemeClr val="tx1">
+                    <a:tint val="75000"/>
+                  </a:schemeClr>
+                </a:solidFill>
+              </a:defRPr>
+            </a:lvl7pPr>
+            <a:lvl8pPr marL="3200400" indent="0">
+              <a:buNone/>
+              <a:defRPr sz="1400">
+                <a:solidFill>
+                  <a:schemeClr val="tx1">
+                    <a:tint val="75000"/>
+                  </a:schemeClr>
+                </a:solidFill>
+              </a:defRPr>
+            </a:lvl8pPr>
+            <a:lvl9pPr marL="3657600" indent="0">
+              <a:buNone/>
+              <a:defRPr sz="1400">
+                <a:solidFill>
+                  <a:schemeClr val="tx1">
+                    <a:tint val="75000"/>
+                  </a:schemeClr>
+                </a:solidFill>
+              </a:defRPr>
+            </a:lvl9pPr>
+          </a:lstStyle>
+          <a:p>
+            <a:pPr lvl="0"/>
+            <a:r>
+              <a:rPr lang="fr-FR" smtClean="0"/>
+              <a:t>Modifier les styles du texte du masque</a:t>
+            </a:r>
+          </a:p>
+        </p:txBody>
+      </p:sp>
+      <p:sp>
+        <p:nvSpPr>
+          <p:cNvPr id="4" name="Date Placeholder 3"/>
+          <p:cNvSpPr>
+            <a:spLocks noGrp="1"/>
+          </p:cNvSpPr>
+          <p:nvPr>
+            <p:ph type="dt" sz="half" idx="10"/>
+          </p:nvPr>
+        </p:nvSpPr>
+        <p:spPr/>
+        <p:txBody>
+          <a:bodyPr/>
+          <a:lstStyle/>
+          <a:p>
+            <a:fld id="{908A7C6C-0F39-4D70-8E8D-FE5B9C95FA73}" type="datetimeFigureOut">
+              <a:rPr lang="en-US" smtClean="0"/>
+              <a:t>12/14/2016</a:t>
+            </a:fld>
+            <a:endParaRPr lang="en-US" dirty="0"/>
+          </a:p>
+        </p:txBody>
+      </p:sp>
+      <p:sp>
+        <p:nvSpPr>
+          <p:cNvPr id="5" name="Footer Placeholder 4"/>
+          <p:cNvSpPr>
+            <a:spLocks noGrp="1"/>
+          </p:cNvSpPr>
+          <p:nvPr>
+            <p:ph type="ftr" sz="quarter" idx="11"/>
+          </p:nvPr>
+        </p:nvSpPr>
+        <p:spPr/>
+        <p:txBody>
+          <a:bodyPr/>
+          <a:lstStyle/>
+          <a:p>
+            <a:endParaRPr lang="en-US" dirty="0"/>
+          </a:p>
+        </p:txBody>
+      </p:sp>
+      <p:sp>
+        <p:nvSpPr>
+          <p:cNvPr id="6" name="Slide Number Placeholder 5"/>
+          <p:cNvSpPr>
+            <a:spLocks noGrp="1"/>
+          </p:cNvSpPr>
+          <p:nvPr>
+            <p:ph type="sldNum" sz="quarter" idx="12"/>
+          </p:nvPr>
+        </p:nvSpPr>
+        <p:spPr/>
+        <p:txBody>
+          <a:bodyPr/>
+          <a:lstStyle/>
+          <a:p>
+            <a:fld id="{4FAB73BC-B049-4115-A692-8D63A059BFB8}" type="slidenum">
+              <a:rPr lang="en-US" smtClean="0"/>
+              <a:t>‹N°›</a:t>
+            </a:fld>
+            <a:endParaRPr lang="en-US" dirty="0"/>
+          </a:p>
+        </p:txBody>
+      </p:sp>
+      <p:sp>
+        <p:nvSpPr>
+          <p:cNvPr id="7" name="Rectangle 6"/>
+          <p:cNvSpPr/>
+          <p:nvPr/>
+        </p:nvSpPr>
+        <p:spPr>
+          <a:xfrm>
+            <a:off x="0" y="0"/>
+            <a:ext cx="457200" cy="6858000"/>
+          </a:xfrm>
+          <a:prstGeom prst="rect">
+            <a:avLst/>
+          </a:prstGeom>
+          <a:solidFill>
+            <a:srgbClr val="303030"/>
+          </a:solidFill>
+          <a:ln>
+            <a:noFill/>
+          </a:ln>
+        </p:spPr>
+        <p:style>
+          <a:lnRef idx="2">
+            <a:schemeClr val="accent1">
+              <a:shade val="50000"/>
+            </a:schemeClr>
+          </a:lnRef>
+          <a:fillRef idx="1">
+            <a:schemeClr val="accent1"/>
+          </a:fillRef>
+          <a:effectRef idx="0">
+            <a:schemeClr val="accent1"/>
+          </a:effectRef>
+          <a:fontRef idx="minor">
+            <a:schemeClr val="lt1"/>
+          </a:fontRef>
+        </p:style>
+      </p:sp>
+    </p:spTree>
+    <p:extLst>
+      <p:ext uri="{BB962C8B-B14F-4D97-AF65-F5344CB8AC3E}">
+        <p14:creationId xmlns:p14="http://schemas.microsoft.com/office/powerpoint/2010/main" val="300030434"/>
+      </p:ext>
+    </p:extLst>
+  </p:cSld>
+  <p:clrMapOvr>
+    <a:masterClrMapping/>
+  </p:clrMapOvr>
+  <p:transition spd="slow">
+    <p:push/>
+  </p:transition>
 </p:sldLayout>
 </file>
 
@@ -1408,7 +1511,7 @@
           <a:lstStyle/>
           <a:p>
             <a:fld id="{DFCFA4AC-08CC-42CE-BD01-C191750A04EC}" type="datetimeFigureOut">
-              <a:rPr lang="en-US" dirty="0"/>
+              <a:rPr lang="en-US" smtClean="0"/>
               <a:t>12/14/2016</a:t>
             </a:fld>
             <a:endParaRPr lang="en-US" dirty="0"/>
@@ -1450,7 +1553,7 @@
           <a:lstStyle/>
           <a:p>
             <a:fld id="{4FAB73BC-B049-4115-A692-8D63A059BFB8}" type="slidenum">
-              <a:rPr lang="en-US" dirty="0"/>
+              <a:rPr lang="en-US" smtClean="0"/>
               <a:t>‹N°›</a:t>
             </a:fld>
             <a:endParaRPr lang="en-US" dirty="0"/>
@@ -1458,10 +1561,18 @@
         </p:txBody>
       </p:sp>
     </p:spTree>
+    <p:extLst>
+      <p:ext uri="{BB962C8B-B14F-4D97-AF65-F5344CB8AC3E}">
+        <p14:creationId xmlns:p14="http://schemas.microsoft.com/office/powerpoint/2010/main" val="39982479"/>
+      </p:ext>
+    </p:extLst>
   </p:cSld>
   <p:clrMapOvr>
     <a:masterClrMapping/>
   </p:clrMapOvr>
+  <p:transition spd="slow">
+    <p:push/>
+  </p:transition>
 </p:sldLayout>
 </file>
 
@@ -1517,7 +1628,7 @@
         </p:nvSpPr>
         <p:spPr>
           <a:xfrm>
-            <a:off x="1261872" y="1713655"/>
+            <a:off x="1261872" y="1717879"/>
             <a:ext cx="4480560" cy="731520"/>
           </a:xfrm>
         </p:spPr>
@@ -1533,7 +1644,9 @@
               <a:buNone/>
               <a:defRPr sz="2000" b="0">
                 <a:solidFill>
-                  <a:schemeClr val="tx2"/>
+                  <a:schemeClr val="tx1">
+                    <a:lumMod val="65000"/>
+                  </a:schemeClr>
                 </a:solidFill>
               </a:defRPr>
             </a:lvl1pPr>
@@ -1671,12 +1784,12 @@
             <a:spLocks noGrp="1"/>
           </p:cNvSpPr>
           <p:nvPr>
-            <p:ph type="body" sz="quarter" idx="3"/>
+            <p:ph type="body" sz="quarter" idx="13"/>
           </p:nvPr>
         </p:nvSpPr>
         <p:spPr>
           <a:xfrm>
-            <a:off x="6126480" y="1713655"/>
+            <a:off x="6126480" y="1717879"/>
             <a:ext cx="4480560" cy="731520"/>
           </a:xfrm>
         </p:spPr>
@@ -1686,66 +1799,25 @@
           </a:bodyPr>
           <a:lstStyle>
             <a:lvl1pPr marL="0" indent="0">
-              <a:lnSpc>
-                <a:spcPct val="95000"/>
-              </a:lnSpc>
               <a:spcBef>
                 <a:spcPts val="0"/>
               </a:spcBef>
-              <a:buNone/>
-              <a:defRPr lang="en-US" sz="2000" b="0" kern="1200" dirty="0">
+              <a:buFontTx/>
+              <a:buNone/>
+              <a:defRPr lang="en-US" sz="2000" b="0" kern="1200" spc="10" baseline="0" dirty="0">
                 <a:solidFill>
-                  <a:schemeClr val="tx2"/>
+                  <a:schemeClr val="tx1">
+                    <a:lumMod val="65000"/>
+                  </a:schemeClr>
                 </a:solidFill>
                 <a:latin typeface="+mn-lt"/>
                 <a:ea typeface="+mn-ea"/>
                 <a:cs typeface="+mn-cs"/>
               </a:defRPr>
             </a:lvl1pPr>
-            <a:lvl2pPr marL="457200" indent="0">
-              <a:buNone/>
-              <a:defRPr sz="2000" b="1"/>
-            </a:lvl2pPr>
-            <a:lvl3pPr marL="914400" indent="0">
-              <a:buNone/>
-              <a:defRPr sz="1800" b="1"/>
-            </a:lvl3pPr>
-            <a:lvl4pPr marL="1371600" indent="0">
-              <a:buNone/>
-              <a:defRPr sz="1600" b="1"/>
-            </a:lvl4pPr>
-            <a:lvl5pPr marL="1828800" indent="0">
-              <a:buNone/>
-              <a:defRPr sz="1600" b="1"/>
-            </a:lvl5pPr>
-            <a:lvl6pPr marL="2286000" indent="0">
-              <a:buNone/>
-              <a:defRPr sz="1600" b="1"/>
-            </a:lvl6pPr>
-            <a:lvl7pPr marL="2743200" indent="0">
-              <a:buNone/>
-              <a:defRPr sz="1600" b="1"/>
-            </a:lvl7pPr>
-            <a:lvl8pPr marL="3200400" indent="0">
-              <a:buNone/>
-              <a:defRPr sz="1600" b="1"/>
-            </a:lvl8pPr>
-            <a:lvl9pPr marL="3657600" indent="0">
-              <a:buNone/>
-              <a:defRPr sz="1600" b="1"/>
-            </a:lvl9pPr>
           </a:lstStyle>
           <a:p>
-            <a:pPr marL="0" lvl="0" indent="0" algn="l" defTabSz="914400" rtl="0" eaLnBrk="1" latinLnBrk="0" hangingPunct="1">
-              <a:lnSpc>
-                <a:spcPct val="90000"/>
-              </a:lnSpc>
-              <a:spcBef>
-                <a:spcPts val="2000"/>
-              </a:spcBef>
-              <a:buFontTx/>
-              <a:buNone/>
-            </a:pPr>
+            <a:pPr lvl="0"/>
             <a:r>
               <a:rPr lang="fr-FR" smtClean="0"/>
               <a:t>Modifier les styles du texte du masque</a:t>
@@ -1854,7 +1926,7 @@
           <a:lstStyle/>
           <a:p>
             <a:fld id="{1BA7A723-92A7-435B-B681-F25B092FEFEB}" type="datetimeFigureOut">
-              <a:rPr lang="en-US" dirty="0"/>
+              <a:rPr lang="en-US" smtClean="0"/>
               <a:t>12/14/2016</a:t>
             </a:fld>
             <a:endParaRPr lang="en-US" dirty="0"/>
@@ -1896,7 +1968,7 @@
           <a:lstStyle/>
           <a:p>
             <a:fld id="{4FAB73BC-B049-4115-A692-8D63A059BFB8}" type="slidenum">
-              <a:rPr lang="en-US" dirty="0"/>
+              <a:rPr lang="en-US" smtClean="0"/>
               <a:t>‹N°›</a:t>
             </a:fld>
             <a:endParaRPr lang="en-US" dirty="0"/>
@@ -1904,10 +1976,18 @@
         </p:txBody>
       </p:sp>
     </p:spTree>
+    <p:extLst>
+      <p:ext uri="{BB962C8B-B14F-4D97-AF65-F5344CB8AC3E}">
+        <p14:creationId xmlns:p14="http://schemas.microsoft.com/office/powerpoint/2010/main" val="1838048148"/>
+      </p:ext>
+    </p:extLst>
   </p:cSld>
   <p:clrMapOvr>
     <a:masterClrMapping/>
   </p:clrMapOvr>
+  <p:transition spd="slow">
+    <p:push/>
+  </p:transition>
 </p:sldLayout>
 </file>
 
@@ -1967,7 +2047,7 @@
           <a:lstStyle/>
           <a:p>
             <a:fld id="{4F170639-886C-4FCF-9EAB-ABB5DA3F3F4A}" type="datetimeFigureOut">
-              <a:rPr lang="en-US" dirty="0"/>
+              <a:rPr lang="en-US" smtClean="0"/>
               <a:t>12/14/2016</a:t>
             </a:fld>
             <a:endParaRPr lang="en-US" dirty="0"/>
@@ -2009,7 +2089,7 @@
           <a:lstStyle/>
           <a:p>
             <a:fld id="{4FAB73BC-B049-4115-A692-8D63A059BFB8}" type="slidenum">
-              <a:rPr lang="en-US" dirty="0"/>
+              <a:rPr lang="en-US" smtClean="0"/>
               <a:t>‹N°›</a:t>
             </a:fld>
             <a:endParaRPr lang="en-US" dirty="0"/>
@@ -2017,10 +2097,18 @@
         </p:txBody>
       </p:sp>
     </p:spTree>
+    <p:extLst>
+      <p:ext uri="{BB962C8B-B14F-4D97-AF65-F5344CB8AC3E}">
+        <p14:creationId xmlns:p14="http://schemas.microsoft.com/office/powerpoint/2010/main" val="1169430029"/>
+      </p:ext>
+    </p:extLst>
   </p:cSld>
   <p:clrMapOvr>
     <a:masterClrMapping/>
   </p:clrMapOvr>
+  <p:transition spd="slow">
+    <p:push/>
+  </p:transition>
 </p:sldLayout>
 </file>
 
@@ -2057,7 +2145,7 @@
           <a:lstStyle/>
           <a:p>
             <a:fld id="{22230651-31F4-45D2-98AE-A2108F41BC07}" type="datetimeFigureOut">
-              <a:rPr lang="en-US" dirty="0"/>
+              <a:rPr lang="en-US" smtClean="0"/>
               <a:t>12/14/2016</a:t>
             </a:fld>
             <a:endParaRPr lang="en-US" dirty="0"/>
@@ -2099,7 +2187,7 @@
           <a:lstStyle/>
           <a:p>
             <a:fld id="{4FAB73BC-B049-4115-A692-8D63A059BFB8}" type="slidenum">
-              <a:rPr lang="en-US" dirty="0"/>
+              <a:rPr lang="en-US" smtClean="0"/>
               <a:t>‹N°›</a:t>
             </a:fld>
             <a:endParaRPr lang="en-US" dirty="0"/>
@@ -2107,10 +2195,18 @@
         </p:txBody>
       </p:sp>
     </p:spTree>
+    <p:extLst>
+      <p:ext uri="{BB962C8B-B14F-4D97-AF65-F5344CB8AC3E}">
+        <p14:creationId xmlns:p14="http://schemas.microsoft.com/office/powerpoint/2010/main" val="2023347091"/>
+      </p:ext>
+    </p:extLst>
   </p:cSld>
   <p:clrMapOvr>
     <a:masterClrMapping/>
   </p:clrMapOvr>
+  <p:transition spd="slow">
+    <p:push/>
+  </p:transition>
 </p:sldLayout>
 </file>
 
@@ -2339,7 +2435,7 @@
           <a:lstStyle/>
           <a:p>
             <a:fld id="{6F53789A-C914-4DB1-8815-80B5EC7335C5}" type="datetimeFigureOut">
-              <a:rPr lang="en-US" dirty="0"/>
+              <a:rPr lang="en-US" smtClean="0"/>
               <a:t>12/14/2016</a:t>
             </a:fld>
             <a:endParaRPr lang="en-US" dirty="0"/>
@@ -2381,7 +2477,7 @@
           <a:lstStyle/>
           <a:p>
             <a:fld id="{4FAB73BC-B049-4115-A692-8D63A059BFB8}" type="slidenum">
-              <a:rPr lang="en-US" dirty="0"/>
+              <a:rPr lang="en-US" smtClean="0"/>
               <a:t>‹N°›</a:t>
             </a:fld>
             <a:endParaRPr lang="en-US" dirty="0"/>
@@ -2389,10 +2485,18 @@
         </p:txBody>
       </p:sp>
     </p:spTree>
+    <p:extLst>
+      <p:ext uri="{BB962C8B-B14F-4D97-AF65-F5344CB8AC3E}">
+        <p14:creationId xmlns:p14="http://schemas.microsoft.com/office/powerpoint/2010/main" val="2427437785"/>
+      </p:ext>
+    </p:extLst>
   </p:cSld>
   <p:clrMapOvr>
     <a:masterClrMapping/>
   </p:clrMapOvr>
+  <p:transition spd="slow">
+    <p:push/>
+  </p:transition>
 </p:sldLayout>
 </file>
 
@@ -2415,44 +2519,6 @@
       </p:grpSpPr>
       <p:sp>
         <p:nvSpPr>
-          <p:cNvPr id="8" name="Rectangle 7"/>
-          <p:cNvSpPr/>
-          <p:nvPr/>
-        </p:nvSpPr>
-        <p:spPr>
-          <a:xfrm>
-            <a:off x="0" y="5105400"/>
-            <a:ext cx="11292840" cy="1752600"/>
-          </a:xfrm>
-          <a:prstGeom prst="rect">
-            <a:avLst/>
-          </a:prstGeom>
-          <a:solidFill>
-            <a:srgbClr val="000000"/>
-          </a:solidFill>
-          <a:ln>
-            <a:noFill/>
-          </a:ln>
-        </p:spPr>
-        <p:style>
-          <a:lnRef idx="2">
-            <a:schemeClr val="accent1">
-              <a:shade val="50000"/>
-            </a:schemeClr>
-          </a:lnRef>
-          <a:fillRef idx="1">
-            <a:schemeClr val="accent1"/>
-          </a:fillRef>
-          <a:effectRef idx="0">
-            <a:schemeClr val="accent1"/>
-          </a:effectRef>
-          <a:fontRef idx="minor">
-            <a:schemeClr val="lt1"/>
-          </a:fontRef>
-        </p:style>
-      </p:sp>
-      <p:sp>
-        <p:nvSpPr>
           <p:cNvPr id="2" name="Title 1"/>
           <p:cNvSpPr>
             <a:spLocks noGrp="1"/>
@@ -2475,7 +2541,7 @@
             <a:lvl1pPr>
               <a:defRPr sz="2800" b="0">
                 <a:solidFill>
-                  <a:schemeClr val="bg1"/>
+                  <a:schemeClr val="tx1"/>
                 </a:solidFill>
               </a:defRPr>
             </a:lvl1pPr>
@@ -2504,23 +2570,13 @@
             <a:off x="0" y="0"/>
             <a:ext cx="11292840" cy="5128923"/>
           </a:xfrm>
-          <a:blipFill>
-            <a:blip r:embed="rId2"/>
-            <a:stretch>
-              <a:fillRect/>
-            </a:stretch>
-          </a:blipFill>
         </p:spPr>
         <p:txBody>
           <a:bodyPr anchor="t"/>
           <a:lstStyle>
             <a:lvl1pPr marL="0" indent="0">
               <a:buNone/>
-              <a:defRPr sz="3200">
-                <a:solidFill>
-                  <a:schemeClr val="bg1"/>
-                </a:solidFill>
-              </a:defRPr>
+              <a:defRPr sz="3200"/>
             </a:lvl1pPr>
             <a:lvl2pPr marL="457200" indent="0">
               <a:buNone/>
@@ -2595,8 +2651,8 @@
               <a:buNone/>
               <a:defRPr sz="1300">
                 <a:solidFill>
-                  <a:schemeClr val="bg1">
-                    <a:lumMod val="85000"/>
+                  <a:schemeClr val="tx1">
+                    <a:lumMod val="75000"/>
                   </a:schemeClr>
                 </a:solidFill>
               </a:defRPr>
@@ -2659,7 +2715,7 @@
           <a:lstStyle/>
           <a:p>
             <a:fld id="{5E6440AA-91A0-436F-8FDB-C0F939DCAE21}" type="datetimeFigureOut">
-              <a:rPr lang="en-US" dirty="0"/>
+              <a:rPr lang="en-US" smtClean="0"/>
               <a:t>12/14/2016</a:t>
             </a:fld>
             <a:endParaRPr lang="en-US" dirty="0"/>
@@ -2701,7 +2757,7 @@
           <a:lstStyle/>
           <a:p>
             <a:fld id="{4FAB73BC-B049-4115-A692-8D63A059BFB8}" type="slidenum">
-              <a:rPr lang="en-US" dirty="0"/>
+              <a:rPr lang="en-US" smtClean="0"/>
               <a:t>‹N°›</a:t>
             </a:fld>
             <a:endParaRPr lang="en-US" dirty="0"/>
@@ -2709,10 +2765,18 @@
         </p:txBody>
       </p:sp>
     </p:spTree>
+    <p:extLst>
+      <p:ext uri="{BB962C8B-B14F-4D97-AF65-F5344CB8AC3E}">
+        <p14:creationId xmlns:p14="http://schemas.microsoft.com/office/powerpoint/2010/main" val="2301919621"/>
+      </p:ext>
+    </p:extLst>
   </p:cSld>
   <p:clrMapOvr>
     <a:masterClrMapping/>
   </p:clrMapOvr>
+  <p:transition spd="slow">
+    <p:push/>
+  </p:transition>
 </p:sldLayout>
 </file>
 
@@ -2753,9 +2817,7 @@
             <a:avLst/>
           </a:prstGeom>
           <a:solidFill>
-            <a:schemeClr val="tx2">
-              <a:lumMod val="75000"/>
-            </a:schemeClr>
+            <a:srgbClr val="303030"/>
           </a:solidFill>
           <a:ln>
             <a:noFill/>
@@ -2898,9 +2960,8 @@
             <a:lvl1pPr algn="r">
               <a:defRPr sz="1050" b="0">
                 <a:solidFill>
-                  <a:schemeClr val="tx2">
-                    <a:lumMod val="20000"/>
-                    <a:lumOff val="80000"/>
+                  <a:schemeClr val="tx1">
+                    <a:lumMod val="50000"/>
                   </a:schemeClr>
                 </a:solidFill>
               </a:defRPr>
@@ -2908,7 +2969,7 @@
           </a:lstStyle>
           <a:p>
             <a:fld id="{0E59FD0C-5451-4CA0-86AF-E70AE3279989}" type="datetimeFigureOut">
-              <a:rPr lang="en-US" dirty="0"/>
+              <a:rPr lang="en-US" smtClean="0"/>
               <a:t>12/14/2016</a:t>
             </a:fld>
             <a:endParaRPr lang="en-US" dirty="0"/>
@@ -2940,10 +3001,7 @@
             <a:lvl1pPr algn="l">
               <a:defRPr sz="1050">
                 <a:solidFill>
-                  <a:schemeClr val="tx2">
-                    <a:lumMod val="20000"/>
-                    <a:lumOff val="80000"/>
-                  </a:schemeClr>
+                  <a:srgbClr val="969696"/>
                 </a:solidFill>
               </a:defRPr>
             </a:lvl1pPr>
@@ -2980,17 +3038,14 @@
             <a:lvl1pPr algn="ctr">
               <a:defRPr sz="3600">
                 <a:solidFill>
-                  <a:schemeClr val="tx2">
-                    <a:lumMod val="60000"/>
-                    <a:lumOff val="40000"/>
-                  </a:schemeClr>
+                  <a:srgbClr val="777777"/>
                 </a:solidFill>
               </a:defRPr>
             </a:lvl1pPr>
           </a:lstStyle>
           <a:p>
             <a:fld id="{4FAB73BC-B049-4115-A692-8D63A059BFB8}" type="slidenum">
-              <a:rPr lang="en-US" dirty="0"/>
+              <a:rPr lang="en-US" smtClean="0"/>
               <a:pPr/>
               <a:t>‹N°›</a:t>
             </a:fld>
@@ -2999,21 +3054,29 @@
         </p:txBody>
       </p:sp>
     </p:spTree>
+    <p:extLst>
+      <p:ext uri="{BB962C8B-B14F-4D97-AF65-F5344CB8AC3E}">
+        <p14:creationId xmlns:p14="http://schemas.microsoft.com/office/powerpoint/2010/main" val="2907610815"/>
+      </p:ext>
+    </p:extLst>
   </p:cSld>
-  <p:clrMap bg1="lt1" tx1="dk1" bg2="lt2" tx2="dk2" accent1="accent1" accent2="accent2" accent3="accent3" accent4="accent4" accent5="accent5" accent6="accent6" hlink="hlink" folHlink="folHlink"/>
+  <p:clrMap bg1="dk1" tx1="lt1" bg2="dk2" tx2="lt2" accent1="accent1" accent2="accent2" accent3="accent3" accent4="accent4" accent5="accent5" accent6="accent6" hlink="hlink" folHlink="folHlink"/>
   <p:sldLayoutIdLst>
-    <p:sldLayoutId id="2147483841" r:id="rId1"/>
-    <p:sldLayoutId id="2147483842" r:id="rId2"/>
-    <p:sldLayoutId id="2147483843" r:id="rId3"/>
-    <p:sldLayoutId id="2147483844" r:id="rId4"/>
-    <p:sldLayoutId id="2147483845" r:id="rId5"/>
-    <p:sldLayoutId id="2147483846" r:id="rId6"/>
-    <p:sldLayoutId id="2147483847" r:id="rId7"/>
-    <p:sldLayoutId id="2147483848" r:id="rId8"/>
-    <p:sldLayoutId id="2147483849" r:id="rId9"/>
-    <p:sldLayoutId id="2147483850" r:id="rId10"/>
-    <p:sldLayoutId id="2147483851" r:id="rId11"/>
+    <p:sldLayoutId id="2147483853" r:id="rId1"/>
+    <p:sldLayoutId id="2147483854" r:id="rId2"/>
+    <p:sldLayoutId id="2147483855" r:id="rId3"/>
+    <p:sldLayoutId id="2147483856" r:id="rId4"/>
+    <p:sldLayoutId id="2147483857" r:id="rId5"/>
+    <p:sldLayoutId id="2147483858" r:id="rId6"/>
+    <p:sldLayoutId id="2147483859" r:id="rId7"/>
+    <p:sldLayoutId id="2147483860" r:id="rId8"/>
+    <p:sldLayoutId id="2147483861" r:id="rId9"/>
+    <p:sldLayoutId id="2147483862" r:id="rId10"/>
+    <p:sldLayoutId id="2147483863" r:id="rId11"/>
   </p:sldLayoutIdLst>
+  <p:transition spd="slow">
+    <p:push/>
+  </p:transition>
   <p:hf sldNum="0" hdr="0" ftr="0" dt="0"/>
   <p:txStyles>
     <p:titleStyle>
@@ -3433,10 +3496,10 @@
           <a:lstStyle/>
           <a:p>
             <a:r>
-              <a:rPr lang="fr-CH" smtClean="0"/>
+              <a:rPr lang="fr-CH" dirty="0" smtClean="0"/>
               <a:t>Bouattit Nikola</a:t>
             </a:r>
-            <a:endParaRPr lang="fr-CH"/>
+            <a:endParaRPr lang="fr-CH" dirty="0"/>
           </a:p>
         </p:txBody>
       </p:sp>
@@ -3450,6 +3513,191 @@
   <p:clrMapOvr>
     <a:masterClrMapping/>
   </p:clrMapOvr>
+  <p:transition spd="slow">
+    <p:push/>
+  </p:transition>
+  <p:timing>
+    <p:tnLst>
+      <p:par>
+        <p:cTn id="1" dur="indefinite" restart="never" nodeType="tmRoot"/>
+      </p:par>
+    </p:tnLst>
+  </p:timing>
+</p:sld>
+</file>
+
+<file path=ppt/slides/slide2.xml><?xml version="1.0" encoding="utf-8"?>
+<p:sld xmlns:a="http://schemas.openxmlformats.org/drawingml/2006/main" xmlns:r="http://schemas.openxmlformats.org/officeDocument/2006/relationships" xmlns:p="http://schemas.openxmlformats.org/presentationml/2006/main">
+  <p:cSld>
+    <p:spTree>
+      <p:nvGrpSpPr>
+        <p:cNvPr id="1" name=""/>
+        <p:cNvGrpSpPr/>
+        <p:nvPr/>
+      </p:nvGrpSpPr>
+      <p:grpSpPr>
+        <a:xfrm>
+          <a:off x="0" y="0"/>
+          <a:ext cx="0" cy="0"/>
+          <a:chOff x="0" y="0"/>
+          <a:chExt cx="0" cy="0"/>
+        </a:xfrm>
+      </p:grpSpPr>
+      <p:sp>
+        <p:nvSpPr>
+          <p:cNvPr id="2" name="Titre 1"/>
+          <p:cNvSpPr>
+            <a:spLocks noGrp="1"/>
+          </p:cNvSpPr>
+          <p:nvPr>
+            <p:ph type="title"/>
+          </p:nvPr>
+        </p:nvSpPr>
+        <p:spPr/>
+        <p:txBody>
+          <a:bodyPr/>
+          <a:lstStyle/>
+          <a:p>
+            <a:r>
+              <a:rPr lang="fr-CH" dirty="0" smtClean="0"/>
+              <a:t>Mon rôle Belbin</a:t>
+            </a:r>
+            <a:endParaRPr lang="fr-CH" dirty="0"/>
+          </a:p>
+        </p:txBody>
+      </p:sp>
+      <p:sp>
+        <p:nvSpPr>
+          <p:cNvPr id="3" name="Espace réservé du contenu 2"/>
+          <p:cNvSpPr>
+            <a:spLocks noGrp="1"/>
+          </p:cNvSpPr>
+          <p:nvPr>
+            <p:ph idx="1"/>
+          </p:nvPr>
+        </p:nvSpPr>
+        <p:spPr/>
+        <p:txBody>
+          <a:bodyPr/>
+          <a:lstStyle/>
+          <a:p>
+            <a:endParaRPr lang="fr-CH" dirty="0" smtClean="0"/>
+          </a:p>
+          <a:p>
+            <a:endParaRPr lang="fr-CH" dirty="0"/>
+          </a:p>
+          <a:p>
+            <a:r>
+              <a:rPr lang="fr-CH" dirty="0" smtClean="0"/>
+              <a:t>Diplomate</a:t>
+            </a:r>
+          </a:p>
+          <a:p>
+            <a:endParaRPr lang="fr-CH" dirty="0"/>
+          </a:p>
+          <a:p>
+            <a:endParaRPr lang="fr-CH" dirty="0" smtClean="0"/>
+          </a:p>
+          <a:p>
+            <a:r>
+              <a:rPr lang="fr-CH" dirty="0" smtClean="0"/>
+              <a:t>Coordinateur</a:t>
+            </a:r>
+            <a:endParaRPr lang="fr-CH" dirty="0"/>
+          </a:p>
+        </p:txBody>
+      </p:sp>
+    </p:spTree>
+    <p:extLst>
+      <p:ext uri="{BB962C8B-B14F-4D97-AF65-F5344CB8AC3E}">
+        <p14:creationId xmlns:p14="http://schemas.microsoft.com/office/powerpoint/2010/main" val="763623006"/>
+      </p:ext>
+    </p:extLst>
+  </p:cSld>
+  <p:clrMapOvr>
+    <a:masterClrMapping/>
+  </p:clrMapOvr>
+  <p:transition spd="slow">
+    <p:push/>
+  </p:transition>
+  <p:timing>
+    <p:tnLst>
+      <p:par>
+        <p:cTn id="1" dur="indefinite" restart="never" nodeType="tmRoot"/>
+      </p:par>
+    </p:tnLst>
+  </p:timing>
+</p:sld>
+</file>
+
+<file path=ppt/slides/slide3.xml><?xml version="1.0" encoding="utf-8"?>
+<p:sld xmlns:a="http://schemas.openxmlformats.org/drawingml/2006/main" xmlns:r="http://schemas.openxmlformats.org/officeDocument/2006/relationships" xmlns:p="http://schemas.openxmlformats.org/presentationml/2006/main">
+  <p:cSld>
+    <p:spTree>
+      <p:nvGrpSpPr>
+        <p:cNvPr id="1" name=""/>
+        <p:cNvGrpSpPr/>
+        <p:nvPr/>
+      </p:nvGrpSpPr>
+      <p:grpSpPr>
+        <a:xfrm>
+          <a:off x="0" y="0"/>
+          <a:ext cx="0" cy="0"/>
+          <a:chOff x="0" y="0"/>
+          <a:chExt cx="0" cy="0"/>
+        </a:xfrm>
+      </p:grpSpPr>
+      <p:sp>
+        <p:nvSpPr>
+          <p:cNvPr id="2" name="Titre 1"/>
+          <p:cNvSpPr>
+            <a:spLocks noGrp="1"/>
+          </p:cNvSpPr>
+          <p:nvPr>
+            <p:ph type="title"/>
+          </p:nvPr>
+        </p:nvSpPr>
+        <p:spPr/>
+        <p:txBody>
+          <a:bodyPr/>
+          <a:lstStyle/>
+          <a:p>
+            <a:endParaRPr lang="fr-CH"/>
+          </a:p>
+        </p:txBody>
+      </p:sp>
+      <p:sp>
+        <p:nvSpPr>
+          <p:cNvPr id="3" name="Espace réservé du contenu 2"/>
+          <p:cNvSpPr>
+            <a:spLocks noGrp="1"/>
+          </p:cNvSpPr>
+          <p:nvPr>
+            <p:ph idx="1"/>
+          </p:nvPr>
+        </p:nvSpPr>
+        <p:spPr/>
+        <p:txBody>
+          <a:bodyPr/>
+          <a:lstStyle/>
+          <a:p>
+            <a:endParaRPr lang="fr-CH"/>
+          </a:p>
+        </p:txBody>
+      </p:sp>
+    </p:spTree>
+    <p:extLst>
+      <p:ext uri="{BB962C8B-B14F-4D97-AF65-F5344CB8AC3E}">
+        <p14:creationId xmlns:p14="http://schemas.microsoft.com/office/powerpoint/2010/main" val="869102242"/>
+      </p:ext>
+    </p:extLst>
+  </p:cSld>
+  <p:clrMapOvr>
+    <a:masterClrMapping/>
+  </p:clrMapOvr>
+  <p:transition spd="slow">
+    <p:push/>
+  </p:transition>
 </p:sld>
 </file>
 
@@ -3458,40 +3706,40 @@
   <a:themeElements>
     <a:clrScheme name="View">
       <a:dk1>
-        <a:srgbClr val="000000"/>
+        <a:sysClr val="windowText" lastClr="000000"/>
       </a:dk1>
       <a:lt1>
-        <a:srgbClr val="FFFFFF"/>
+        <a:sysClr val="window" lastClr="FFFFFF"/>
       </a:lt1>
       <a:dk2>
-        <a:srgbClr val="46464A"/>
+        <a:srgbClr val="564B3C"/>
       </a:dk2>
       <a:lt2>
-        <a:srgbClr val="D6D3CC"/>
+        <a:srgbClr val="ECEDD1"/>
       </a:lt2>
       <a:accent1>
-        <a:srgbClr val="6F6F74"/>
+        <a:srgbClr val="93A299"/>
       </a:accent1>
       <a:accent2>
-        <a:srgbClr val="92A9B9"/>
+        <a:srgbClr val="CB4B30"/>
       </a:accent2>
       <a:accent3>
-        <a:srgbClr val="A7B789"/>
+        <a:srgbClr val="B5AE53"/>
       </a:accent3>
       <a:accent4>
-        <a:srgbClr val="B9A489"/>
+        <a:srgbClr val="6F6A7A"/>
       </a:accent4>
       <a:accent5>
-        <a:srgbClr val="8D6374"/>
+        <a:srgbClr val="E8B54D"/>
       </a:accent5>
       <a:accent6>
-        <a:srgbClr val="9B7362"/>
+        <a:srgbClr val="8A7952"/>
       </a:accent6>
       <a:hlink>
-        <a:srgbClr val="67AABF"/>
+        <a:srgbClr val="9F9F0B"/>
       </a:hlink>
       <a:folHlink>
-        <a:srgbClr val="ABAFA5"/>
+        <a:srgbClr val="B2B2B2"/>
       </a:folHlink>
     </a:clrScheme>
     <a:fontScheme name="View">
@@ -3580,7 +3828,7 @@
         <a:solidFill>
           <a:schemeClr val="phClr">
             <a:shade val="75000"/>
-            <a:satMod val="160000"/>
+            <a:satMod val="130000"/>
           </a:schemeClr>
         </a:solidFill>
       </a:fillStyleLst>
@@ -3654,7 +3902,7 @@
             <a:bevelT w="0" h="0" prst="coolSlant"/>
             <a:contourClr>
               <a:schemeClr val="phClr">
-                <a:shade val="25000"/>
+                <a:shade val="35000"/>
                 <a:satMod val="140000"/>
               </a:schemeClr>
             </a:contourClr>
@@ -3700,7 +3948,7 @@
   <a:extraClrSchemeLst/>
   <a:extLst>
     <a:ext uri="{05A4C25C-085E-4340-85A3-A5531E510DB2}">
-      <thm15:themeFamily xmlns:thm15="http://schemas.microsoft.com/office/thememl/2012/main" name="View" id="{BA0EB5A6-F2D4-4F82-977B-64ADEE4A2A69}" vid="{3969A8A2-35DB-4E3B-8885-16FD20568674}"/>
+      <thm15:themeFamily xmlns:thm15="http://schemas.microsoft.com/office/thememl/2012/main" name="View" id="{BA0EB5A6-F2D4-4F82-977B-64ADEE4A2A69}" vid="{3866257B-E5CE-4C43-9210-F2DE76BE10B5}"/>
     </a:ext>
   </a:extLst>
 </a:theme>
